--- a/Slides Tesi.pptx
+++ b/Slides Tesi.pptx
@@ -5,18 +5,19 @@
     <p:sldMasterId id="2147483648" r:id="rId1"/>
   </p:sldMasterIdLst>
   <p:notesMasterIdLst>
-    <p:notesMasterId r:id="rId8"/>
+    <p:notesMasterId r:id="rId9"/>
   </p:notesMasterIdLst>
   <p:handoutMasterIdLst>
-    <p:handoutMasterId r:id="rId9"/>
+    <p:handoutMasterId r:id="rId10"/>
   </p:handoutMasterIdLst>
   <p:sldIdLst>
     <p:sldId id="256" r:id="rId2"/>
-    <p:sldId id="257" r:id="rId3"/>
-    <p:sldId id="261" r:id="rId4"/>
-    <p:sldId id="258" r:id="rId5"/>
-    <p:sldId id="259" r:id="rId6"/>
-    <p:sldId id="260" r:id="rId7"/>
+    <p:sldId id="262" r:id="rId3"/>
+    <p:sldId id="263" r:id="rId4"/>
+    <p:sldId id="257" r:id="rId5"/>
+    <p:sldId id="261" r:id="rId6"/>
+    <p:sldId id="259" r:id="rId7"/>
+    <p:sldId id="260" r:id="rId8"/>
   </p:sldIdLst>
   <p:sldSz cx="9144000" cy="6858000" type="screen4x3"/>
   <p:notesSz cx="6858000" cy="9144000"/>
@@ -217,7 +218,7 @@
             <a:fld id="{45BF3CCC-77DD-F84F-A249-CA3C5045A043}" type="datetime1">
               <a:rPr lang="it-IT" smtClean="0"/>
               <a:pPr/>
-              <a:t>24/06/2019</a:t>
+              <a:t>26/06/2019</a:t>
             </a:fld>
             <a:endParaRPr lang="it-IT"/>
           </a:p>
@@ -385,7 +386,7 @@
             <a:fld id="{FE692227-D6DC-FD45-9507-DB2BAD58473C}" type="datetime1">
               <a:rPr lang="it-IT" smtClean="0"/>
               <a:pPr/>
-              <a:t>24/06/2019</a:t>
+              <a:t>26/06/2019</a:t>
             </a:fld>
             <a:endParaRPr lang="it-IT"/>
           </a:p>
@@ -729,7 +730,7 @@
     </p:spTree>
     <p:extLst>
       <p:ext uri="{BB962C8B-B14F-4D97-AF65-F5344CB8AC3E}">
-        <p14:creationId xmlns:p14="http://schemas.microsoft.com/office/powerpoint/2010/main" val="3156239075"/>
+        <p14:creationId xmlns:p14="http://schemas.microsoft.com/office/powerpoint/2010/main" val="3550908309"/>
       </p:ext>
     </p:extLst>
   </p:cSld>
@@ -890,7 +891,7 @@
             <a:fld id="{96986711-015B-0142-88C4-65D50E44FA77}" type="slidenum">
               <a:rPr lang="it-IT" smtClean="0"/>
               <a:pPr/>
-              <a:t>5</a:t>
+              <a:t>6</a:t>
             </a:fld>
             <a:endParaRPr lang="it-IT"/>
           </a:p>
@@ -975,7 +976,7 @@
             <a:fld id="{96986711-015B-0142-88C4-65D50E44FA77}" type="slidenum">
               <a:rPr lang="it-IT" smtClean="0"/>
               <a:pPr/>
-              <a:t>6</a:t>
+              <a:t>7</a:t>
             </a:fld>
             <a:endParaRPr lang="it-IT"/>
           </a:p>
@@ -1174,7 +1175,7 @@
             <a:fld id="{AD8BF249-6BAC-CD40-AAE9-334F110649E5}" type="datetimeFigureOut">
               <a:rPr lang="it-IT" smtClean="0"/>
               <a:pPr/>
-              <a:t>24/06/2019</a:t>
+              <a:t>26/06/2019</a:t>
             </a:fld>
             <a:endParaRPr lang="it-IT"/>
           </a:p>
@@ -1344,7 +1345,7 @@
             <a:fld id="{AD8BF249-6BAC-CD40-AAE9-334F110649E5}" type="datetimeFigureOut">
               <a:rPr lang="it-IT" smtClean="0"/>
               <a:pPr/>
-              <a:t>24/06/2019</a:t>
+              <a:t>26/06/2019</a:t>
             </a:fld>
             <a:endParaRPr lang="it-IT"/>
           </a:p>
@@ -1524,7 +1525,7 @@
             <a:fld id="{AD8BF249-6BAC-CD40-AAE9-334F110649E5}" type="datetimeFigureOut">
               <a:rPr lang="it-IT" smtClean="0"/>
               <a:pPr/>
-              <a:t>24/06/2019</a:t>
+              <a:t>26/06/2019</a:t>
             </a:fld>
             <a:endParaRPr lang="it-IT"/>
           </a:p>
@@ -1694,7 +1695,7 @@
             <a:fld id="{AD8BF249-6BAC-CD40-AAE9-334F110649E5}" type="datetimeFigureOut">
               <a:rPr lang="it-IT" smtClean="0"/>
               <a:pPr/>
-              <a:t>24/06/2019</a:t>
+              <a:t>26/06/2019</a:t>
             </a:fld>
             <a:endParaRPr lang="it-IT"/>
           </a:p>
@@ -1941,7 +1942,7 @@
             <a:fld id="{AD8BF249-6BAC-CD40-AAE9-334F110649E5}" type="datetimeFigureOut">
               <a:rPr lang="it-IT" smtClean="0"/>
               <a:pPr/>
-              <a:t>24/06/2019</a:t>
+              <a:t>26/06/2019</a:t>
             </a:fld>
             <a:endParaRPr lang="it-IT"/>
           </a:p>
@@ -2228,7 +2229,7 @@
             <a:fld id="{AD8BF249-6BAC-CD40-AAE9-334F110649E5}" type="datetimeFigureOut">
               <a:rPr lang="it-IT" smtClean="0"/>
               <a:pPr/>
-              <a:t>24/06/2019</a:t>
+              <a:t>26/06/2019</a:t>
             </a:fld>
             <a:endParaRPr lang="it-IT"/>
           </a:p>
@@ -2649,7 +2650,7 @@
             <a:fld id="{AD8BF249-6BAC-CD40-AAE9-334F110649E5}" type="datetimeFigureOut">
               <a:rPr lang="it-IT" smtClean="0"/>
               <a:pPr/>
-              <a:t>24/06/2019</a:t>
+              <a:t>26/06/2019</a:t>
             </a:fld>
             <a:endParaRPr lang="it-IT"/>
           </a:p>
@@ -2768,7 +2769,7 @@
             <a:fld id="{AD8BF249-6BAC-CD40-AAE9-334F110649E5}" type="datetimeFigureOut">
               <a:rPr lang="it-IT" smtClean="0"/>
               <a:pPr/>
-              <a:t>24/06/2019</a:t>
+              <a:t>26/06/2019</a:t>
             </a:fld>
             <a:endParaRPr lang="it-IT"/>
           </a:p>
@@ -2865,7 +2866,7 @@
             <a:fld id="{AD8BF249-6BAC-CD40-AAE9-334F110649E5}" type="datetimeFigureOut">
               <a:rPr lang="it-IT" smtClean="0"/>
               <a:pPr/>
-              <a:t>24/06/2019</a:t>
+              <a:t>26/06/2019</a:t>
             </a:fld>
             <a:endParaRPr lang="it-IT"/>
           </a:p>
@@ -3142,7 +3143,7 @@
             <a:fld id="{AD8BF249-6BAC-CD40-AAE9-334F110649E5}" type="datetimeFigureOut">
               <a:rPr lang="it-IT" smtClean="0"/>
               <a:pPr/>
-              <a:t>24/06/2019</a:t>
+              <a:t>26/06/2019</a:t>
             </a:fld>
             <a:endParaRPr lang="it-IT"/>
           </a:p>
@@ -3396,7 +3397,7 @@
             <a:fld id="{AD8BF249-6BAC-CD40-AAE9-334F110649E5}" type="datetimeFigureOut">
               <a:rPr lang="it-IT" smtClean="0"/>
               <a:pPr/>
-              <a:t>24/06/2019</a:t>
+              <a:t>26/06/2019</a:t>
             </a:fld>
             <a:endParaRPr lang="it-IT"/>
           </a:p>
@@ -3609,7 +3610,7 @@
             <a:fld id="{AD8BF249-6BAC-CD40-AAE9-334F110649E5}" type="datetimeFigureOut">
               <a:rPr lang="it-IT" smtClean="0"/>
               <a:pPr/>
-              <a:t>24/06/2019</a:t>
+              <a:t>26/06/2019</a:t>
             </a:fld>
             <a:endParaRPr lang="it-IT"/>
           </a:p>
@@ -4308,99 +4309,7 @@
                 <a:latin typeface="Arial"/>
                 <a:cs typeface="Arial"/>
               </a:rPr>
-              <a:t>Concetti base di biologia</a:t>
-            </a:r>
-          </a:p>
-        </p:txBody>
-      </p:sp>
-      <p:sp>
-        <p:nvSpPr>
-          <p:cNvPr id="8" name="CasellaDiTesto 7"/>
-          <p:cNvSpPr txBox="1"/>
-          <p:nvPr/>
-        </p:nvSpPr>
-        <p:spPr>
-          <a:xfrm>
-            <a:off x="9061" y="1085353"/>
-            <a:ext cx="3660041" cy="369332"/>
-          </a:xfrm>
-          <a:prstGeom prst="rect">
-            <a:avLst/>
-          </a:prstGeom>
-          <a:noFill/>
-        </p:spPr>
-        <p:txBody>
-          <a:bodyPr wrap="square" rtlCol="0">
-            <a:spAutoFit/>
-          </a:bodyPr>
-          <a:lstStyle/>
-          <a:p>
-            <a:r>
-              <a:rPr lang="it-IT" i="1" dirty="0">
-                <a:latin typeface="Arial"/>
-                <a:cs typeface="Arial"/>
-              </a:rPr>
-              <a:t>DNA ed allineamento di sequenze</a:t>
-            </a:r>
-          </a:p>
-        </p:txBody>
-      </p:sp>
-      <p:sp>
-        <p:nvSpPr>
-          <p:cNvPr id="9" name="CasellaDiTesto 8"/>
-          <p:cNvSpPr txBox="1"/>
-          <p:nvPr/>
-        </p:nvSpPr>
-        <p:spPr>
-          <a:xfrm>
-            <a:off x="9061" y="1454686"/>
-            <a:ext cx="9134939" cy="307777"/>
-          </a:xfrm>
-          <a:prstGeom prst="rect">
-            <a:avLst/>
-          </a:prstGeom>
-          <a:noFill/>
-        </p:spPr>
-        <p:txBody>
-          <a:bodyPr wrap="square" rtlCol="0">
-            <a:spAutoFit/>
-          </a:bodyPr>
-          <a:lstStyle/>
-          <a:p>
-            <a:r>
-              <a:rPr lang="it-IT" sz="1400" dirty="0">
-                <a:latin typeface="Arial" panose="020B0604020202020204" pitchFamily="34" charset="0"/>
-                <a:cs typeface="Arial" panose="020B0604020202020204" pitchFamily="34" charset="0"/>
-              </a:rPr>
-              <a:t>Il </a:t>
-            </a:r>
-            <a:r>
-              <a:rPr lang="it-IT" sz="1400" b="1" dirty="0">
-                <a:latin typeface="Arial" panose="020B0604020202020204" pitchFamily="34" charset="0"/>
-                <a:cs typeface="Arial" panose="020B0604020202020204" pitchFamily="34" charset="0"/>
-              </a:rPr>
-              <a:t>DNA</a:t>
-            </a:r>
-            <a:r>
-              <a:rPr lang="it-IT" sz="1400" dirty="0">
-                <a:latin typeface="Arial" panose="020B0604020202020204" pitchFamily="34" charset="0"/>
-                <a:cs typeface="Arial" panose="020B0604020202020204" pitchFamily="34" charset="0"/>
-              </a:rPr>
-              <a:t> o </a:t>
-            </a:r>
-            <a:r>
-              <a:rPr lang="it-IT" sz="1400" b="1" dirty="0">
-                <a:latin typeface="Arial" panose="020B0604020202020204" pitchFamily="34" charset="0"/>
-                <a:cs typeface="Arial" panose="020B0604020202020204" pitchFamily="34" charset="0"/>
-              </a:rPr>
-              <a:t>acido desossiribonucleico </a:t>
-            </a:r>
-            <a:r>
-              <a:rPr lang="it-IT" sz="1400" dirty="0">
-                <a:latin typeface="Arial" panose="020B0604020202020204" pitchFamily="34" charset="0"/>
-                <a:cs typeface="Arial" panose="020B0604020202020204" pitchFamily="34" charset="0"/>
-              </a:rPr>
-              <a:t>è una macromolecola contenente il patrimonio genetico degli esseri viventi.</a:t>
+              <a:t>Che cos’è la bioinformatica?</a:t>
             </a:r>
           </a:p>
         </p:txBody>
@@ -4568,10 +4477,10 @@
       </p:sp>
       <p:sp>
         <p:nvSpPr>
-          <p:cNvPr id="16" name="CasellaDiTesto 15">
+          <p:cNvPr id="17" name="CasellaDiTesto 16">
             <a:extLst>
               <a:ext uri="{FF2B5EF4-FFF2-40B4-BE49-F238E27FC236}">
-                <a16:creationId xmlns:a16="http://schemas.microsoft.com/office/drawing/2014/main" id="{81755A96-1207-43B6-AFD7-F017181F64BC}"/>
+                <a16:creationId xmlns:a16="http://schemas.microsoft.com/office/drawing/2014/main" id="{114377C4-A00C-4CAC-8DF0-02C66F5CF0FF}"/>
               </a:ext>
             </a:extLst>
           </p:cNvPr>
@@ -4580,8 +4489,8 @@
         </p:nvSpPr>
         <p:spPr>
           <a:xfrm>
-            <a:off x="5376004" y="1869423"/>
-            <a:ext cx="3412021" cy="523220"/>
+            <a:off x="140171" y="1429973"/>
+            <a:ext cx="1387861" cy="307777"/>
           </a:xfrm>
           <a:prstGeom prst="rect">
             <a:avLst/>
@@ -4594,187 +4503,33 @@
           </a:bodyPr>
           <a:lstStyle/>
           <a:p>
-            <a:pPr marL="285750" indent="-285750">
-              <a:buFont typeface="Arial" panose="020B0604020202020204" pitchFamily="34" charset="0"/>
-              <a:buChar char="•"/>
-            </a:pPr>
             <a:r>
               <a:rPr lang="it-IT" sz="1400" dirty="0">
                 <a:latin typeface="Arial" panose="020B0604020202020204" pitchFamily="34" charset="0"/>
                 <a:cs typeface="Arial" panose="020B0604020202020204" pitchFamily="34" charset="0"/>
               </a:rPr>
-              <a:t>Struttura a doppia elica di lunghezza variabile;</a:t>
-            </a:r>
-          </a:p>
-        </p:txBody>
-      </p:sp>
-      <p:pic>
-        <p:nvPicPr>
-          <p:cNvPr id="19" name="Immagine 18">
+              <a:t>X-</a:t>
+            </a:r>
+            <a:r>
+              <a:rPr lang="it-IT" sz="1400" dirty="0" err="1">
+                <a:latin typeface="Arial" panose="020B0604020202020204" pitchFamily="34" charset="0"/>
+                <a:cs typeface="Arial" panose="020B0604020202020204" pitchFamily="34" charset="0"/>
+              </a:rPr>
+              <a:t>Informatics</a:t>
+            </a:r>
+            <a:endParaRPr lang="it-IT" sz="1400" dirty="0">
+              <a:latin typeface="Arial" panose="020B0604020202020204" pitchFamily="34" charset="0"/>
+              <a:cs typeface="Arial" panose="020B0604020202020204" pitchFamily="34" charset="0"/>
+            </a:endParaRPr>
+          </a:p>
+        </p:txBody>
+      </p:sp>
+      <p:sp>
+        <p:nvSpPr>
+          <p:cNvPr id="18" name="Freccia a destra 17">
             <a:extLst>
               <a:ext uri="{FF2B5EF4-FFF2-40B4-BE49-F238E27FC236}">
-                <a16:creationId xmlns:a16="http://schemas.microsoft.com/office/drawing/2014/main" id="{4086DA60-4C7B-4433-A1C6-40EB2BC942EE}"/>
-              </a:ext>
-            </a:extLst>
-          </p:cNvPr>
-          <p:cNvPicPr>
-            <a:picLocks noChangeAspect="1"/>
-          </p:cNvPicPr>
-          <p:nvPr/>
-        </p:nvPicPr>
-        <p:blipFill rotWithShape="1">
-          <a:blip r:embed="rId4"/>
-          <a:srcRect t="57195"/>
-          <a:stretch/>
-        </p:blipFill>
-        <p:spPr>
-          <a:xfrm>
-            <a:off x="9061" y="1762463"/>
-            <a:ext cx="5203627" cy="1250740"/>
-          </a:xfrm>
-          <a:prstGeom prst="rect">
-            <a:avLst/>
-          </a:prstGeom>
-        </p:spPr>
-      </p:pic>
-      <p:sp>
-        <p:nvSpPr>
-          <p:cNvPr id="21" name="CasellaDiTesto 20">
-            <a:extLst>
-              <a:ext uri="{FF2B5EF4-FFF2-40B4-BE49-F238E27FC236}">
-                <a16:creationId xmlns:a16="http://schemas.microsoft.com/office/drawing/2014/main" id="{E87CB79F-8F8C-43DB-B9CB-998010991571}"/>
-              </a:ext>
-            </a:extLst>
-          </p:cNvPr>
-          <p:cNvSpPr txBox="1"/>
-          <p:nvPr/>
-        </p:nvSpPr>
-        <p:spPr>
-          <a:xfrm>
-            <a:off x="5376004" y="2329841"/>
-            <a:ext cx="3412021" cy="1169551"/>
-          </a:xfrm>
-          <a:prstGeom prst="rect">
-            <a:avLst/>
-          </a:prstGeom>
-          <a:noFill/>
-        </p:spPr>
-        <p:txBody>
-          <a:bodyPr wrap="square" rtlCol="0">
-            <a:spAutoFit/>
-          </a:bodyPr>
-          <a:lstStyle/>
-          <a:p>
-            <a:pPr marL="285750" indent="-285750">
-              <a:buFont typeface="Arial" panose="020B0604020202020204" pitchFamily="34" charset="0"/>
-              <a:buChar char="•"/>
-            </a:pPr>
-            <a:r>
-              <a:rPr lang="it-IT" sz="1400" dirty="0">
-                <a:latin typeface="Arial" panose="020B0604020202020204" pitchFamily="34" charset="0"/>
-                <a:cs typeface="Arial" panose="020B0604020202020204" pitchFamily="34" charset="0"/>
-              </a:rPr>
-              <a:t>4 tipi di basi azotate:</a:t>
-            </a:r>
-          </a:p>
-          <a:p>
-            <a:pPr marL="742950" lvl="1" indent="-285750">
-              <a:buFont typeface="Arial" panose="020B0604020202020204" pitchFamily="34" charset="0"/>
-              <a:buChar char="•"/>
-            </a:pPr>
-            <a:r>
-              <a:rPr lang="it-IT" sz="1400" dirty="0">
-                <a:latin typeface="Arial" panose="020B0604020202020204" pitchFamily="34" charset="0"/>
-                <a:cs typeface="Arial" panose="020B0604020202020204" pitchFamily="34" charset="0"/>
-              </a:rPr>
-              <a:t>Timina (T)</a:t>
-            </a:r>
-          </a:p>
-          <a:p>
-            <a:pPr marL="742950" lvl="1" indent="-285750">
-              <a:buFont typeface="Arial" panose="020B0604020202020204" pitchFamily="34" charset="0"/>
-              <a:buChar char="•"/>
-            </a:pPr>
-            <a:r>
-              <a:rPr lang="it-IT" sz="1400" dirty="0">
-                <a:latin typeface="Arial" panose="020B0604020202020204" pitchFamily="34" charset="0"/>
-                <a:cs typeface="Arial" panose="020B0604020202020204" pitchFamily="34" charset="0"/>
-              </a:rPr>
-              <a:t>Adenina (A)</a:t>
-            </a:r>
-          </a:p>
-          <a:p>
-            <a:pPr marL="742950" lvl="1" indent="-285750">
-              <a:buFont typeface="Arial" panose="020B0604020202020204" pitchFamily="34" charset="0"/>
-              <a:buChar char="•"/>
-            </a:pPr>
-            <a:r>
-              <a:rPr lang="it-IT" sz="1400" dirty="0">
-                <a:latin typeface="Arial" panose="020B0604020202020204" pitchFamily="34" charset="0"/>
-                <a:cs typeface="Arial" panose="020B0604020202020204" pitchFamily="34" charset="0"/>
-              </a:rPr>
-              <a:t>Guanina (G)</a:t>
-            </a:r>
-          </a:p>
-          <a:p>
-            <a:pPr marL="742950" lvl="1" indent="-285750">
-              <a:buFont typeface="Arial" panose="020B0604020202020204" pitchFamily="34" charset="0"/>
-              <a:buChar char="•"/>
-            </a:pPr>
-            <a:r>
-              <a:rPr lang="it-IT" sz="1400" dirty="0">
-                <a:latin typeface="Arial" panose="020B0604020202020204" pitchFamily="34" charset="0"/>
-                <a:cs typeface="Arial" panose="020B0604020202020204" pitchFamily="34" charset="0"/>
-              </a:rPr>
-              <a:t>Citosina (C)</a:t>
-            </a:r>
-          </a:p>
-        </p:txBody>
-      </p:sp>
-      <p:sp>
-        <p:nvSpPr>
-          <p:cNvPr id="22" name="CasellaDiTesto 21">
-            <a:extLst>
-              <a:ext uri="{FF2B5EF4-FFF2-40B4-BE49-F238E27FC236}">
-                <a16:creationId xmlns:a16="http://schemas.microsoft.com/office/drawing/2014/main" id="{89D3F274-A700-4B6F-907B-2CAD85377F28}"/>
-              </a:ext>
-            </a:extLst>
-          </p:cNvPr>
-          <p:cNvSpPr txBox="1"/>
-          <p:nvPr/>
-        </p:nvSpPr>
-        <p:spPr>
-          <a:xfrm>
-            <a:off x="1790498" y="5392230"/>
-            <a:ext cx="2974019" cy="307777"/>
-          </a:xfrm>
-          <a:prstGeom prst="rect">
-            <a:avLst/>
-          </a:prstGeom>
-          <a:noFill/>
-        </p:spPr>
-        <p:txBody>
-          <a:bodyPr wrap="square" rtlCol="0">
-            <a:spAutoFit/>
-          </a:bodyPr>
-          <a:lstStyle/>
-          <a:p>
-            <a:r>
-              <a:rPr lang="it-IT" sz="1400" dirty="0">
-                <a:latin typeface="Arial" panose="020B0604020202020204" pitchFamily="34" charset="0"/>
-                <a:cs typeface="Arial" panose="020B0604020202020204" pitchFamily="34" charset="0"/>
-              </a:rPr>
-              <a:t>Esempio di una sequenza di DNA</a:t>
-            </a:r>
-          </a:p>
-        </p:txBody>
-      </p:sp>
-      <p:sp>
-        <p:nvSpPr>
-          <p:cNvPr id="5" name="Freccia a destra 4">
-            <a:extLst>
-              <a:ext uri="{FF2B5EF4-FFF2-40B4-BE49-F238E27FC236}">
-                <a16:creationId xmlns:a16="http://schemas.microsoft.com/office/drawing/2014/main" id="{CAA60BB1-A647-480E-A68D-04208F1BFCD1}"/>
+                <a16:creationId xmlns:a16="http://schemas.microsoft.com/office/drawing/2014/main" id="{775CA3B3-4390-4CC4-A3DA-C5810744D505}"/>
               </a:ext>
             </a:extLst>
           </p:cNvPr>
@@ -4783,8 +4538,8 @@
         </p:nvSpPr>
         <p:spPr>
           <a:xfrm>
-            <a:off x="4672111" y="5440673"/>
-            <a:ext cx="825624" cy="210890"/>
+            <a:off x="1447229" y="1513908"/>
+            <a:ext cx="825624" cy="139906"/>
           </a:xfrm>
           <a:prstGeom prst="rightArrow">
             <a:avLst/>
@@ -4815,10 +4570,10 @@
       </p:sp>
       <p:sp>
         <p:nvSpPr>
-          <p:cNvPr id="24" name="CasellaDiTesto 23">
+          <p:cNvPr id="20" name="CasellaDiTesto 19">
             <a:extLst>
               <a:ext uri="{FF2B5EF4-FFF2-40B4-BE49-F238E27FC236}">
-                <a16:creationId xmlns:a16="http://schemas.microsoft.com/office/drawing/2014/main" id="{5644040A-8CC9-4D53-AD0F-F87742495383}"/>
+                <a16:creationId xmlns:a16="http://schemas.microsoft.com/office/drawing/2014/main" id="{6D402DA8-573C-45EA-B7E1-EE986DF5362A}"/>
               </a:ext>
             </a:extLst>
           </p:cNvPr>
@@ -4827,8 +4582,8 @@
         </p:nvSpPr>
         <p:spPr>
           <a:xfrm>
-            <a:off x="5615326" y="5386326"/>
-            <a:ext cx="1387860" cy="307777"/>
+            <a:off x="2413474" y="1322251"/>
+            <a:ext cx="6721465" cy="523220"/>
           </a:xfrm>
           <a:prstGeom prst="rect">
             <a:avLst/>
@@ -4846,17 +4601,17 @@
                 <a:latin typeface="Arial" panose="020B0604020202020204" pitchFamily="34" charset="0"/>
                 <a:cs typeface="Arial" panose="020B0604020202020204" pitchFamily="34" charset="0"/>
               </a:rPr>
-              <a:t>ATGTAAGACT</a:t>
-            </a:r>
-          </a:p>
-        </p:txBody>
-      </p:sp>
-      <p:sp>
-        <p:nvSpPr>
-          <p:cNvPr id="25" name="CasellaDiTesto 24">
+              <a:t>il risultato dell’incontro tra l’informatica ed altre scienze di base, quali la biologia, la chimica, l’astronomia ecc.</a:t>
+            </a:r>
+          </a:p>
+        </p:txBody>
+      </p:sp>
+      <p:sp>
+        <p:nvSpPr>
+          <p:cNvPr id="26" name="CasellaDiTesto 25">
             <a:extLst>
               <a:ext uri="{FF2B5EF4-FFF2-40B4-BE49-F238E27FC236}">
-                <a16:creationId xmlns:a16="http://schemas.microsoft.com/office/drawing/2014/main" id="{3070D16C-A28B-45DB-B756-1AADA56E1860}"/>
+                <a16:creationId xmlns:a16="http://schemas.microsoft.com/office/drawing/2014/main" id="{455851EF-2DBA-441C-ADB1-9FC403C76C25}"/>
               </a:ext>
             </a:extLst>
           </p:cNvPr>
@@ -4865,8 +4620,8 @@
         </p:nvSpPr>
         <p:spPr>
           <a:xfrm>
-            <a:off x="104641" y="4333924"/>
-            <a:ext cx="9134939" cy="307777"/>
+            <a:off x="3638528" y="1982076"/>
+            <a:ext cx="1866943" cy="369332"/>
           </a:xfrm>
           <a:prstGeom prst="rect">
             <a:avLst/>
@@ -4880,25 +4635,197 @@
           <a:lstStyle/>
           <a:p>
             <a:r>
+              <a:rPr lang="it-IT" b="1" dirty="0">
+                <a:latin typeface="Arial" panose="020B0604020202020204" pitchFamily="34" charset="0"/>
+                <a:cs typeface="Arial" panose="020B0604020202020204" pitchFamily="34" charset="0"/>
+              </a:rPr>
+              <a:t>Bioinformatica</a:t>
+            </a:r>
+          </a:p>
+        </p:txBody>
+      </p:sp>
+      <p:sp>
+        <p:nvSpPr>
+          <p:cNvPr id="27" name="CasellaDiTesto 26">
+            <a:extLst>
+              <a:ext uri="{FF2B5EF4-FFF2-40B4-BE49-F238E27FC236}">
+                <a16:creationId xmlns:a16="http://schemas.microsoft.com/office/drawing/2014/main" id="{E96CA2BC-D5CB-49E5-952D-9887A3FFF82D}"/>
+              </a:ext>
+            </a:extLst>
+          </p:cNvPr>
+          <p:cNvSpPr txBox="1"/>
+          <p:nvPr/>
+        </p:nvSpPr>
+        <p:spPr>
+          <a:xfrm>
+            <a:off x="9062" y="2516051"/>
+            <a:ext cx="9144000" cy="738664"/>
+          </a:xfrm>
+          <a:prstGeom prst="rect">
+            <a:avLst/>
+          </a:prstGeom>
+          <a:noFill/>
+        </p:spPr>
+        <p:txBody>
+          <a:bodyPr wrap="square" rtlCol="0">
+            <a:spAutoFit/>
+          </a:bodyPr>
+          <a:lstStyle/>
+          <a:p>
+            <a:r>
+              <a:rPr lang="it-IT" sz="1400" i="1" dirty="0">
+                <a:latin typeface="Arial" panose="020B0604020202020204" pitchFamily="34" charset="0"/>
+                <a:cs typeface="Arial" panose="020B0604020202020204" pitchFamily="34" charset="0"/>
+              </a:rPr>
+              <a:t>La bioinformatica è un campo multidisciplinare della scienza che coinvolge la genetica, la biologia molecolare, l’informatica, la matematica e la statistica, rivolta a studiare sistemi biologici utilizzando metodi e modelli informatici e computazionali.</a:t>
+            </a:r>
+          </a:p>
+        </p:txBody>
+      </p:sp>
+      <p:sp>
+        <p:nvSpPr>
+          <p:cNvPr id="29" name="CasellaDiTesto 28">
+            <a:extLst>
+              <a:ext uri="{FF2B5EF4-FFF2-40B4-BE49-F238E27FC236}">
+                <a16:creationId xmlns:a16="http://schemas.microsoft.com/office/drawing/2014/main" id="{55E874F5-6BE8-4F33-B887-89781349BE33}"/>
+              </a:ext>
+            </a:extLst>
+          </p:cNvPr>
+          <p:cNvSpPr txBox="1"/>
+          <p:nvPr/>
+        </p:nvSpPr>
+        <p:spPr>
+          <a:xfrm>
+            <a:off x="140171" y="4435557"/>
+            <a:ext cx="1387861" cy="307777"/>
+          </a:xfrm>
+          <a:prstGeom prst="rect">
+            <a:avLst/>
+          </a:prstGeom>
+          <a:noFill/>
+        </p:spPr>
+        <p:txBody>
+          <a:bodyPr wrap="square" rtlCol="0">
+            <a:spAutoFit/>
+          </a:bodyPr>
+          <a:lstStyle/>
+          <a:p>
+            <a:r>
               <a:rPr lang="it-IT" sz="1400" dirty="0">
                 <a:latin typeface="Arial" panose="020B0604020202020204" pitchFamily="34" charset="0"/>
                 <a:cs typeface="Arial" panose="020B0604020202020204" pitchFamily="34" charset="0"/>
               </a:rPr>
-              <a:t>Una successione di basi azotate che contiene una determinata informazione prende il nome di </a:t>
+              <a:t>Filogenetica</a:t>
+            </a:r>
+          </a:p>
+        </p:txBody>
+      </p:sp>
+      <p:sp>
+        <p:nvSpPr>
+          <p:cNvPr id="30" name="Freccia a destra 29">
+            <a:extLst>
+              <a:ext uri="{FF2B5EF4-FFF2-40B4-BE49-F238E27FC236}">
+                <a16:creationId xmlns:a16="http://schemas.microsoft.com/office/drawing/2014/main" id="{3D6B2CB3-3EFF-464B-AF91-7C2973B8DC32}"/>
+              </a:ext>
+            </a:extLst>
+          </p:cNvPr>
+          <p:cNvSpPr/>
+          <p:nvPr/>
+        </p:nvSpPr>
+        <p:spPr>
+          <a:xfrm>
+            <a:off x="1447229" y="4519492"/>
+            <a:ext cx="825624" cy="139906"/>
+          </a:xfrm>
+          <a:prstGeom prst="rightArrow">
+            <a:avLst/>
+          </a:prstGeom>
+        </p:spPr>
+        <p:style>
+          <a:lnRef idx="1">
+            <a:schemeClr val="accent1"/>
+          </a:lnRef>
+          <a:fillRef idx="3">
+            <a:schemeClr val="accent1"/>
+          </a:fillRef>
+          <a:effectRef idx="2">
+            <a:schemeClr val="accent1"/>
+          </a:effectRef>
+          <a:fontRef idx="minor">
+            <a:schemeClr val="lt1"/>
+          </a:fontRef>
+        </p:style>
+        <p:txBody>
+          <a:bodyPr rtlCol="0" anchor="ctr"/>
+          <a:lstStyle/>
+          <a:p>
+            <a:pPr algn="ctr"/>
+            <a:endParaRPr lang="it-IT"/>
+          </a:p>
+        </p:txBody>
+      </p:sp>
+      <p:sp>
+        <p:nvSpPr>
+          <p:cNvPr id="31" name="CasellaDiTesto 30">
+            <a:extLst>
+              <a:ext uri="{FF2B5EF4-FFF2-40B4-BE49-F238E27FC236}">
+                <a16:creationId xmlns:a16="http://schemas.microsoft.com/office/drawing/2014/main" id="{376DAC05-47AC-4BB4-AEAE-A8D48E1209CD}"/>
+              </a:ext>
+            </a:extLst>
+          </p:cNvPr>
+          <p:cNvSpPr txBox="1"/>
+          <p:nvPr/>
+        </p:nvSpPr>
+        <p:spPr>
+          <a:xfrm>
+            <a:off x="2413474" y="4327835"/>
+            <a:ext cx="6721465" cy="523220"/>
+          </a:xfrm>
+          <a:prstGeom prst="rect">
+            <a:avLst/>
+          </a:prstGeom>
+          <a:noFill/>
+        </p:spPr>
+        <p:txBody>
+          <a:bodyPr wrap="square" rtlCol="0">
+            <a:spAutoFit/>
+          </a:bodyPr>
+          <a:lstStyle/>
+          <a:p>
+            <a:r>
+              <a:rPr lang="it-IT" sz="1400" dirty="0">
+                <a:latin typeface="Arial" panose="020B0604020202020204" pitchFamily="34" charset="0"/>
+                <a:cs typeface="Arial" panose="020B0604020202020204" pitchFamily="34" charset="0"/>
+              </a:rPr>
+              <a:t>Area di ricerca che studia le relazioni evolutive tra le entità biologiche attraverso la costruzione di </a:t>
             </a:r>
             <a:r>
               <a:rPr lang="it-IT" sz="1400" b="1" dirty="0">
                 <a:latin typeface="Arial" panose="020B0604020202020204" pitchFamily="34" charset="0"/>
                 <a:cs typeface="Arial" panose="020B0604020202020204" pitchFamily="34" charset="0"/>
               </a:rPr>
-              <a:t>sequenza</a:t>
+              <a:t>alberi evolutivi </a:t>
             </a:r>
             <a:r>
               <a:rPr lang="it-IT" sz="1400" dirty="0">
                 <a:latin typeface="Arial" panose="020B0604020202020204" pitchFamily="34" charset="0"/>
                 <a:cs typeface="Arial" panose="020B0604020202020204" pitchFamily="34" charset="0"/>
               </a:rPr>
-              <a:t>.</a:t>
+              <a:t>(chiamati anche </a:t>
+            </a:r>
+            <a:r>
+              <a:rPr lang="it-IT" sz="1400" b="1" dirty="0">
+                <a:latin typeface="Arial" panose="020B0604020202020204" pitchFamily="34" charset="0"/>
+                <a:cs typeface="Arial" panose="020B0604020202020204" pitchFamily="34" charset="0"/>
+              </a:rPr>
+              <a:t>alberi filogenetici</a:t>
+            </a:r>
+            <a:r>
+              <a:rPr lang="it-IT" sz="1400" dirty="0">
+                <a:latin typeface="Arial" panose="020B0604020202020204" pitchFamily="34" charset="0"/>
+                <a:cs typeface="Arial" panose="020B0604020202020204" pitchFamily="34" charset="0"/>
+              </a:rPr>
+              <a:t>).</a:t>
             </a:r>
           </a:p>
         </p:txBody>
@@ -4906,7 +4833,7 @@
     </p:spTree>
     <p:extLst>
       <p:ext uri="{BB962C8B-B14F-4D97-AF65-F5344CB8AC3E}">
-        <p14:creationId xmlns:p14="http://schemas.microsoft.com/office/powerpoint/2010/main" val="3016431194"/>
+        <p14:creationId xmlns:p14="http://schemas.microsoft.com/office/powerpoint/2010/main" val="276445952"/>
       </p:ext>
     </p:extLst>
   </p:cSld>
@@ -4951,8 +4878,8 @@
         </p:nvSpPr>
         <p:spPr>
           <a:xfrm>
-            <a:off x="3978305" y="9417"/>
-            <a:ext cx="1187389" cy="265791"/>
+            <a:off x="1" y="9417"/>
+            <a:ext cx="9144000" cy="447783"/>
           </a:xfrm>
         </p:spPr>
         <p:txBody>
@@ -4970,7 +4897,899 @@
                   </a:schemeClr>
                 </a:solidFill>
               </a:rPr>
-              <a:t>Slide 1</a:t>
+              <a:t>Slide «Che cos’è la bioinformatica?»</a:t>
+            </a:r>
+          </a:p>
+        </p:txBody>
+      </p:sp>
+      <p:sp>
+        <p:nvSpPr>
+          <p:cNvPr id="3" name="Segnaposto contenuto 2">
+            <a:extLst>
+              <a:ext uri="{FF2B5EF4-FFF2-40B4-BE49-F238E27FC236}">
+                <a16:creationId xmlns:a16="http://schemas.microsoft.com/office/drawing/2014/main" id="{93BCA0B8-4893-4CCB-9EB0-6E07D77F5019}"/>
+              </a:ext>
+            </a:extLst>
+          </p:cNvPr>
+          <p:cNvSpPr>
+            <a:spLocks noGrp="1"/>
+          </p:cNvSpPr>
+          <p:nvPr>
+            <p:ph idx="1"/>
+          </p:nvPr>
+        </p:nvSpPr>
+        <p:spPr>
+          <a:xfrm>
+            <a:off x="0" y="561512"/>
+            <a:ext cx="9144000" cy="6296488"/>
+          </a:xfrm>
+        </p:spPr>
+        <p:txBody>
+          <a:bodyPr>
+            <a:normAutofit/>
+          </a:bodyPr>
+          <a:lstStyle/>
+          <a:p>
+            <a:pPr marL="0" indent="0">
+              <a:buNone/>
+            </a:pPr>
+            <a:r>
+              <a:rPr lang="it-IT" sz="1400" dirty="0">
+                <a:latin typeface="Arial" panose="020B0604020202020204" pitchFamily="34" charset="0"/>
+                <a:cs typeface="Arial" panose="020B0604020202020204" pitchFamily="34" charset="0"/>
+              </a:rPr>
+              <a:t>Per molti anni l’informatica è stata una scienza a sé stante, tuttavia negli ultimi decenni, grazie al progresso scientifico e tecnologico, sono nate nuove discipline chiamate genericamente </a:t>
+            </a:r>
+            <a:r>
+              <a:rPr lang="it-IT" sz="1400" u="sng" dirty="0">
+                <a:latin typeface="Arial" panose="020B0604020202020204" pitchFamily="34" charset="0"/>
+                <a:cs typeface="Arial" panose="020B0604020202020204" pitchFamily="34" charset="0"/>
+              </a:rPr>
+              <a:t>X-</a:t>
+            </a:r>
+            <a:r>
+              <a:rPr lang="it-IT" sz="1400" u="sng" dirty="0" err="1">
+                <a:latin typeface="Arial" panose="020B0604020202020204" pitchFamily="34" charset="0"/>
+                <a:cs typeface="Arial" panose="020B0604020202020204" pitchFamily="34" charset="0"/>
+              </a:rPr>
+              <a:t>Informatics</a:t>
+            </a:r>
+            <a:r>
+              <a:rPr lang="it-IT" sz="1400" u="sng" dirty="0">
+                <a:latin typeface="Arial" panose="020B0604020202020204" pitchFamily="34" charset="0"/>
+                <a:cs typeface="Arial" panose="020B0604020202020204" pitchFamily="34" charset="0"/>
+              </a:rPr>
+              <a:t>. Queste sono</a:t>
+            </a:r>
+          </a:p>
+          <a:p>
+            <a:pPr marL="0" indent="0">
+              <a:buNone/>
+            </a:pPr>
+            <a:r>
+              <a:rPr lang="it-IT" sz="1400" u="sng" dirty="0">
+                <a:latin typeface="Arial" panose="020B0604020202020204" pitchFamily="34" charset="0"/>
+                <a:cs typeface="Arial" panose="020B0604020202020204" pitchFamily="34" charset="0"/>
+              </a:rPr>
+              <a:t>il risultato dell’incontro tra l’informatica ed altre scienze di base (quali la biologia, la chimica, l’astronomia, la geologia </a:t>
+            </a:r>
+            <a:r>
+              <a:rPr lang="it-IT" sz="1400" u="sng" dirty="0" err="1">
+                <a:latin typeface="Arial" panose="020B0604020202020204" pitchFamily="34" charset="0"/>
+                <a:cs typeface="Arial" panose="020B0604020202020204" pitchFamily="34" charset="0"/>
+              </a:rPr>
+              <a:t>ecc</a:t>
+            </a:r>
+            <a:r>
+              <a:rPr lang="it-IT" sz="1400" u="sng" dirty="0">
+                <a:latin typeface="Arial" panose="020B0604020202020204" pitchFamily="34" charset="0"/>
+                <a:cs typeface="Arial" panose="020B0604020202020204" pitchFamily="34" charset="0"/>
+              </a:rPr>
+              <a:t>)</a:t>
+            </a:r>
+          </a:p>
+          <a:p>
+            <a:pPr marL="0" indent="0">
+              <a:buNone/>
+            </a:pPr>
+            <a:r>
+              <a:rPr lang="it-IT" sz="1400" dirty="0">
+                <a:latin typeface="Arial" panose="020B0604020202020204" pitchFamily="34" charset="0"/>
+                <a:cs typeface="Arial" panose="020B0604020202020204" pitchFamily="34" charset="0"/>
+              </a:rPr>
+              <a:t>Tra tutte queste discipline, risulta di particolare importanza la </a:t>
+            </a:r>
+            <a:r>
+              <a:rPr lang="it-IT" sz="1400" u="sng" dirty="0">
+                <a:latin typeface="Arial" panose="020B0604020202020204" pitchFamily="34" charset="0"/>
+                <a:cs typeface="Arial" panose="020B0604020202020204" pitchFamily="34" charset="0"/>
+              </a:rPr>
+              <a:t>bioinformatica</a:t>
+            </a:r>
+            <a:r>
+              <a:rPr lang="it-IT" sz="1400" dirty="0">
+                <a:latin typeface="Arial" panose="020B0604020202020204" pitchFamily="34" charset="0"/>
+                <a:cs typeface="Arial" panose="020B0604020202020204" pitchFamily="34" charset="0"/>
+              </a:rPr>
+              <a:t>. Ma che cosa è?</a:t>
+            </a:r>
+            <a:br>
+              <a:rPr lang="it-IT" sz="1400" dirty="0">
+                <a:latin typeface="Arial" panose="020B0604020202020204" pitchFamily="34" charset="0"/>
+                <a:cs typeface="Arial" panose="020B0604020202020204" pitchFamily="34" charset="0"/>
+              </a:rPr>
+            </a:br>
+            <a:r>
+              <a:rPr lang="it-IT" sz="1400" u="sng" dirty="0">
+                <a:latin typeface="Arial" panose="020B0604020202020204" pitchFamily="34" charset="0"/>
+                <a:cs typeface="Arial" panose="020B0604020202020204" pitchFamily="34" charset="0"/>
+              </a:rPr>
+              <a:t>La bioinformatica è un campo multidisciplinare della scienza che coinvolge la genetica, la biologia molecolare, l’informatica, la matematica e la statistica, rivolta a studiare sistemi biologici utilizzando metodi e modelli informatici e computazionali.</a:t>
+            </a:r>
+          </a:p>
+          <a:p>
+            <a:pPr marL="0" indent="0">
+              <a:buNone/>
+            </a:pPr>
+            <a:r>
+              <a:rPr lang="it-IT" sz="1400" dirty="0">
+                <a:latin typeface="Arial" panose="020B0604020202020204" pitchFamily="34" charset="0"/>
+                <a:cs typeface="Arial" panose="020B0604020202020204" pitchFamily="34" charset="0"/>
+              </a:rPr>
+              <a:t>Tale scienza occupa numerose aree di ricerca, quella di cui ci occupiamo in questa discussione è la filogenetica, che studia le relazioni evolutive tra le entità biologiche (dagli essere viventi fino ai virus) attraverso la costruzione di alberi evolutivi (chiamati anche alberi filogenetici).</a:t>
+            </a:r>
+          </a:p>
+        </p:txBody>
+      </p:sp>
+    </p:spTree>
+    <p:extLst>
+      <p:ext uri="{BB962C8B-B14F-4D97-AF65-F5344CB8AC3E}">
+        <p14:creationId xmlns:p14="http://schemas.microsoft.com/office/powerpoint/2010/main" val="1758053279"/>
+      </p:ext>
+    </p:extLst>
+  </p:cSld>
+  <p:clrMapOvr>
+    <a:masterClrMapping/>
+  </p:clrMapOvr>
+</p:sld>
+</file>
+
+<file path=ppt/slides/slide4.xml><?xml version="1.0" encoding="utf-8"?>
+<p:sld xmlns:a="http://schemas.openxmlformats.org/drawingml/2006/main" xmlns:r="http://schemas.openxmlformats.org/officeDocument/2006/relationships" xmlns:p="http://schemas.openxmlformats.org/presentationml/2006/main">
+  <p:cSld>
+    <p:spTree>
+      <p:nvGrpSpPr>
+        <p:cNvPr id="1" name=""/>
+        <p:cNvGrpSpPr/>
+        <p:nvPr/>
+      </p:nvGrpSpPr>
+      <p:grpSpPr>
+        <a:xfrm>
+          <a:off x="0" y="0"/>
+          <a:ext cx="0" cy="0"/>
+          <a:chOff x="0" y="0"/>
+          <a:chExt cx="0" cy="0"/>
+        </a:xfrm>
+      </p:grpSpPr>
+      <p:pic>
+        <p:nvPicPr>
+          <p:cNvPr id="2" name="Immagine 1"/>
+          <p:cNvPicPr>
+            <a:picLocks noChangeAspect="1"/>
+          </p:cNvPicPr>
+          <p:nvPr/>
+        </p:nvPicPr>
+        <p:blipFill>
+          <a:blip r:embed="rId3"/>
+          <a:stretch>
+            <a:fillRect/>
+          </a:stretch>
+        </p:blipFill>
+        <p:spPr>
+          <a:xfrm>
+            <a:off x="-9061" y="-14633"/>
+            <a:ext cx="9144000" cy="6872633"/>
+          </a:xfrm>
+          <a:prstGeom prst="rect">
+            <a:avLst/>
+          </a:prstGeom>
+        </p:spPr>
+      </p:pic>
+      <p:sp>
+        <p:nvSpPr>
+          <p:cNvPr id="7" name="CasellaDiTesto 6"/>
+          <p:cNvSpPr txBox="1"/>
+          <p:nvPr/>
+        </p:nvSpPr>
+        <p:spPr>
+          <a:xfrm>
+            <a:off x="9061" y="649703"/>
+            <a:ext cx="4663050" cy="461665"/>
+          </a:xfrm>
+          <a:prstGeom prst="rect">
+            <a:avLst/>
+          </a:prstGeom>
+          <a:noFill/>
+        </p:spPr>
+        <p:txBody>
+          <a:bodyPr wrap="square" rtlCol="0">
+            <a:spAutoFit/>
+          </a:bodyPr>
+          <a:lstStyle/>
+          <a:p>
+            <a:r>
+              <a:rPr lang="it-IT" sz="2400" b="1" dirty="0">
+                <a:solidFill>
+                  <a:schemeClr val="accent1">
+                    <a:lumMod val="75000"/>
+                  </a:schemeClr>
+                </a:solidFill>
+                <a:latin typeface="Arial"/>
+                <a:cs typeface="Arial"/>
+              </a:rPr>
+              <a:t>Concetti base di biologia</a:t>
+            </a:r>
+          </a:p>
+        </p:txBody>
+      </p:sp>
+      <p:sp>
+        <p:nvSpPr>
+          <p:cNvPr id="8" name="CasellaDiTesto 7"/>
+          <p:cNvSpPr txBox="1"/>
+          <p:nvPr/>
+        </p:nvSpPr>
+        <p:spPr>
+          <a:xfrm>
+            <a:off x="9061" y="1085353"/>
+            <a:ext cx="3660041" cy="369332"/>
+          </a:xfrm>
+          <a:prstGeom prst="rect">
+            <a:avLst/>
+          </a:prstGeom>
+          <a:noFill/>
+        </p:spPr>
+        <p:txBody>
+          <a:bodyPr wrap="square" rtlCol="0">
+            <a:spAutoFit/>
+          </a:bodyPr>
+          <a:lstStyle/>
+          <a:p>
+            <a:r>
+              <a:rPr lang="it-IT" i="1" dirty="0">
+                <a:latin typeface="Arial"/>
+                <a:cs typeface="Arial"/>
+              </a:rPr>
+              <a:t>DNA ed allineamento di sequenze</a:t>
+            </a:r>
+          </a:p>
+        </p:txBody>
+      </p:sp>
+      <p:sp>
+        <p:nvSpPr>
+          <p:cNvPr id="9" name="CasellaDiTesto 8"/>
+          <p:cNvSpPr txBox="1"/>
+          <p:nvPr/>
+        </p:nvSpPr>
+        <p:spPr>
+          <a:xfrm>
+            <a:off x="9061" y="1454686"/>
+            <a:ext cx="9134939" cy="307777"/>
+          </a:xfrm>
+          <a:prstGeom prst="rect">
+            <a:avLst/>
+          </a:prstGeom>
+          <a:noFill/>
+        </p:spPr>
+        <p:txBody>
+          <a:bodyPr wrap="square" rtlCol="0">
+            <a:spAutoFit/>
+          </a:bodyPr>
+          <a:lstStyle/>
+          <a:p>
+            <a:r>
+              <a:rPr lang="it-IT" sz="1400" dirty="0">
+                <a:latin typeface="Arial" panose="020B0604020202020204" pitchFamily="34" charset="0"/>
+                <a:cs typeface="Arial" panose="020B0604020202020204" pitchFamily="34" charset="0"/>
+              </a:rPr>
+              <a:t>Il </a:t>
+            </a:r>
+            <a:r>
+              <a:rPr lang="it-IT" sz="1400" b="1" dirty="0">
+                <a:latin typeface="Arial" panose="020B0604020202020204" pitchFamily="34" charset="0"/>
+                <a:cs typeface="Arial" panose="020B0604020202020204" pitchFamily="34" charset="0"/>
+              </a:rPr>
+              <a:t>DNA</a:t>
+            </a:r>
+            <a:r>
+              <a:rPr lang="it-IT" sz="1400" dirty="0">
+                <a:latin typeface="Arial" panose="020B0604020202020204" pitchFamily="34" charset="0"/>
+                <a:cs typeface="Arial" panose="020B0604020202020204" pitchFamily="34" charset="0"/>
+              </a:rPr>
+              <a:t> o </a:t>
+            </a:r>
+            <a:r>
+              <a:rPr lang="it-IT" sz="1400" b="1" dirty="0">
+                <a:latin typeface="Arial" panose="020B0604020202020204" pitchFamily="34" charset="0"/>
+                <a:cs typeface="Arial" panose="020B0604020202020204" pitchFamily="34" charset="0"/>
+              </a:rPr>
+              <a:t>acido desossiribonucleico </a:t>
+            </a:r>
+            <a:r>
+              <a:rPr lang="it-IT" sz="1400" dirty="0">
+                <a:latin typeface="Arial" panose="020B0604020202020204" pitchFamily="34" charset="0"/>
+                <a:cs typeface="Arial" panose="020B0604020202020204" pitchFamily="34" charset="0"/>
+              </a:rPr>
+              <a:t>è una macromolecola contenente il patrimonio genetico degli esseri viventi.</a:t>
+            </a:r>
+          </a:p>
+        </p:txBody>
+      </p:sp>
+      <p:sp>
+        <p:nvSpPr>
+          <p:cNvPr id="12" name="Rettangolo 11"/>
+          <p:cNvSpPr/>
+          <p:nvPr/>
+        </p:nvSpPr>
+        <p:spPr>
+          <a:xfrm>
+            <a:off x="8255000" y="6366466"/>
+            <a:ext cx="280763" cy="501650"/>
+          </a:xfrm>
+          <a:prstGeom prst="rect">
+            <a:avLst/>
+          </a:prstGeom>
+          <a:solidFill>
+            <a:srgbClr val="003053"/>
+          </a:solidFill>
+        </p:spPr>
+        <p:style>
+          <a:lnRef idx="1">
+            <a:schemeClr val="accent1"/>
+          </a:lnRef>
+          <a:fillRef idx="3">
+            <a:schemeClr val="accent1"/>
+          </a:fillRef>
+          <a:effectRef idx="2">
+            <a:schemeClr val="accent1"/>
+          </a:effectRef>
+          <a:fontRef idx="minor">
+            <a:schemeClr val="lt1"/>
+          </a:fontRef>
+        </p:style>
+        <p:txBody>
+          <a:bodyPr rtlCol="0" anchor="ctr"/>
+          <a:lstStyle/>
+          <a:p>
+            <a:pPr algn="ctr"/>
+            <a:endParaRPr lang="it-IT">
+              <a:solidFill>
+                <a:srgbClr val="003257"/>
+              </a:solidFill>
+            </a:endParaRPr>
+          </a:p>
+        </p:txBody>
+      </p:sp>
+      <p:sp>
+        <p:nvSpPr>
+          <p:cNvPr id="11" name="Segnaposto numero diapositiva 10"/>
+          <p:cNvSpPr>
+            <a:spLocks noGrp="1"/>
+          </p:cNvSpPr>
+          <p:nvPr>
+            <p:ph type="sldNum" sz="quarter" idx="12"/>
+          </p:nvPr>
+        </p:nvSpPr>
+        <p:spPr>
+          <a:xfrm>
+            <a:off x="6402163" y="6356350"/>
+            <a:ext cx="2133600" cy="365125"/>
+          </a:xfrm>
+        </p:spPr>
+        <p:txBody>
+          <a:bodyPr/>
+          <a:lstStyle/>
+          <a:p>
+            <a:fld id="{8EB8520A-26EA-DE4B-B141-4532FC98FF0E}" type="slidenum">
+              <a:rPr lang="it-IT" b="1" smtClean="0">
+                <a:solidFill>
+                  <a:schemeClr val="bg1"/>
+                </a:solidFill>
+                <a:latin typeface="Arial"/>
+                <a:cs typeface="Arial"/>
+              </a:rPr>
+              <a:pPr/>
+              <a:t>4</a:t>
+            </a:fld>
+            <a:endParaRPr lang="it-IT" b="1" dirty="0">
+              <a:solidFill>
+                <a:schemeClr val="bg1"/>
+              </a:solidFill>
+              <a:latin typeface="Arial"/>
+              <a:cs typeface="Arial"/>
+            </a:endParaRPr>
+          </a:p>
+        </p:txBody>
+      </p:sp>
+      <p:sp>
+        <p:nvSpPr>
+          <p:cNvPr id="10" name="CasellaDiTesto 9"/>
+          <p:cNvSpPr txBox="1"/>
+          <p:nvPr/>
+        </p:nvSpPr>
+        <p:spPr>
+          <a:xfrm>
+            <a:off x="5735951" y="51433"/>
+            <a:ext cx="2957862" cy="215444"/>
+          </a:xfrm>
+          <a:prstGeom prst="rect">
+            <a:avLst/>
+          </a:prstGeom>
+          <a:noFill/>
+        </p:spPr>
+        <p:txBody>
+          <a:bodyPr wrap="none" rtlCol="0">
+            <a:spAutoFit/>
+          </a:bodyPr>
+          <a:lstStyle/>
+          <a:p>
+            <a:pPr algn="r"/>
+            <a:r>
+              <a:rPr lang="it-IT" sz="800" b="1" dirty="0">
+                <a:solidFill>
+                  <a:schemeClr val="bg1"/>
+                </a:solidFill>
+                <a:latin typeface="Arial"/>
+                <a:cs typeface="Arial"/>
+              </a:rPr>
+              <a:t>Applicazioni dell’algoritmica alla biologia: alberi evolutivi</a:t>
+            </a:r>
+          </a:p>
+        </p:txBody>
+      </p:sp>
+      <p:sp>
+        <p:nvSpPr>
+          <p:cNvPr id="14" name="CasellaDiTesto 13"/>
+          <p:cNvSpPr txBox="1"/>
+          <p:nvPr/>
+        </p:nvSpPr>
+        <p:spPr>
+          <a:xfrm>
+            <a:off x="7082015" y="403482"/>
+            <a:ext cx="1621846" cy="492443"/>
+          </a:xfrm>
+          <a:prstGeom prst="rect">
+            <a:avLst/>
+          </a:prstGeom>
+          <a:noFill/>
+        </p:spPr>
+        <p:txBody>
+          <a:bodyPr wrap="none" rtlCol="0">
+            <a:spAutoFit/>
+          </a:bodyPr>
+          <a:lstStyle/>
+          <a:p>
+            <a:pPr algn="r"/>
+            <a:r>
+              <a:rPr lang="it-IT" sz="800" dirty="0">
+                <a:solidFill>
+                  <a:schemeClr val="bg1"/>
+                </a:solidFill>
+                <a:latin typeface="Arial"/>
+                <a:cs typeface="Arial"/>
+              </a:rPr>
+              <a:t>Firenze, 12 luglio 2019</a:t>
+            </a:r>
+          </a:p>
+          <a:p>
+            <a:endParaRPr lang="it-IT" dirty="0"/>
+          </a:p>
+        </p:txBody>
+      </p:sp>
+      <p:sp>
+        <p:nvSpPr>
+          <p:cNvPr id="16" name="CasellaDiTesto 15">
+            <a:extLst>
+              <a:ext uri="{FF2B5EF4-FFF2-40B4-BE49-F238E27FC236}">
+                <a16:creationId xmlns:a16="http://schemas.microsoft.com/office/drawing/2014/main" id="{81755A96-1207-43B6-AFD7-F017181F64BC}"/>
+              </a:ext>
+            </a:extLst>
+          </p:cNvPr>
+          <p:cNvSpPr txBox="1"/>
+          <p:nvPr/>
+        </p:nvSpPr>
+        <p:spPr>
+          <a:xfrm>
+            <a:off x="5376004" y="1869423"/>
+            <a:ext cx="3412021" cy="523220"/>
+          </a:xfrm>
+          <a:prstGeom prst="rect">
+            <a:avLst/>
+          </a:prstGeom>
+          <a:noFill/>
+        </p:spPr>
+        <p:txBody>
+          <a:bodyPr wrap="square" rtlCol="0">
+            <a:spAutoFit/>
+          </a:bodyPr>
+          <a:lstStyle/>
+          <a:p>
+            <a:pPr marL="285750" indent="-285750">
+              <a:buFont typeface="Arial" panose="020B0604020202020204" pitchFamily="34" charset="0"/>
+              <a:buChar char="•"/>
+            </a:pPr>
+            <a:r>
+              <a:rPr lang="it-IT" sz="1400" dirty="0">
+                <a:latin typeface="Arial" panose="020B0604020202020204" pitchFamily="34" charset="0"/>
+                <a:cs typeface="Arial" panose="020B0604020202020204" pitchFamily="34" charset="0"/>
+              </a:rPr>
+              <a:t>Struttura a doppia elica di lunghezza variabile</a:t>
+            </a:r>
+          </a:p>
+        </p:txBody>
+      </p:sp>
+      <p:pic>
+        <p:nvPicPr>
+          <p:cNvPr id="19" name="Immagine 18">
+            <a:extLst>
+              <a:ext uri="{FF2B5EF4-FFF2-40B4-BE49-F238E27FC236}">
+                <a16:creationId xmlns:a16="http://schemas.microsoft.com/office/drawing/2014/main" id="{4086DA60-4C7B-4433-A1C6-40EB2BC942EE}"/>
+              </a:ext>
+            </a:extLst>
+          </p:cNvPr>
+          <p:cNvPicPr>
+            <a:picLocks noChangeAspect="1"/>
+          </p:cNvPicPr>
+          <p:nvPr/>
+        </p:nvPicPr>
+        <p:blipFill rotWithShape="1">
+          <a:blip r:embed="rId4"/>
+          <a:srcRect t="57195"/>
+          <a:stretch/>
+        </p:blipFill>
+        <p:spPr>
+          <a:xfrm>
+            <a:off x="9061" y="1762463"/>
+            <a:ext cx="5203627" cy="1250740"/>
+          </a:xfrm>
+          <a:prstGeom prst="rect">
+            <a:avLst/>
+          </a:prstGeom>
+        </p:spPr>
+      </p:pic>
+      <p:sp>
+        <p:nvSpPr>
+          <p:cNvPr id="21" name="CasellaDiTesto 20">
+            <a:extLst>
+              <a:ext uri="{FF2B5EF4-FFF2-40B4-BE49-F238E27FC236}">
+                <a16:creationId xmlns:a16="http://schemas.microsoft.com/office/drawing/2014/main" id="{E87CB79F-8F8C-43DB-B9CB-998010991571}"/>
+              </a:ext>
+            </a:extLst>
+          </p:cNvPr>
+          <p:cNvSpPr txBox="1"/>
+          <p:nvPr/>
+        </p:nvSpPr>
+        <p:spPr>
+          <a:xfrm>
+            <a:off x="5376004" y="2329841"/>
+            <a:ext cx="3412021" cy="1169551"/>
+          </a:xfrm>
+          <a:prstGeom prst="rect">
+            <a:avLst/>
+          </a:prstGeom>
+          <a:noFill/>
+        </p:spPr>
+        <p:txBody>
+          <a:bodyPr wrap="square" rtlCol="0">
+            <a:spAutoFit/>
+          </a:bodyPr>
+          <a:lstStyle/>
+          <a:p>
+            <a:pPr marL="285750" indent="-285750">
+              <a:buFont typeface="Arial" panose="020B0604020202020204" pitchFamily="34" charset="0"/>
+              <a:buChar char="•"/>
+            </a:pPr>
+            <a:r>
+              <a:rPr lang="it-IT" sz="1400" dirty="0">
+                <a:latin typeface="Arial" panose="020B0604020202020204" pitchFamily="34" charset="0"/>
+                <a:cs typeface="Arial" panose="020B0604020202020204" pitchFamily="34" charset="0"/>
+              </a:rPr>
+              <a:t>4 tipi di basi azotate:</a:t>
+            </a:r>
+          </a:p>
+          <a:p>
+            <a:pPr marL="742950" lvl="1" indent="-285750">
+              <a:buFont typeface="Arial" panose="020B0604020202020204" pitchFamily="34" charset="0"/>
+              <a:buChar char="•"/>
+            </a:pPr>
+            <a:r>
+              <a:rPr lang="it-IT" sz="1400" dirty="0">
+                <a:latin typeface="Arial" panose="020B0604020202020204" pitchFamily="34" charset="0"/>
+                <a:cs typeface="Arial" panose="020B0604020202020204" pitchFamily="34" charset="0"/>
+              </a:rPr>
+              <a:t>Timina (T)</a:t>
+            </a:r>
+          </a:p>
+          <a:p>
+            <a:pPr marL="742950" lvl="1" indent="-285750">
+              <a:buFont typeface="Arial" panose="020B0604020202020204" pitchFamily="34" charset="0"/>
+              <a:buChar char="•"/>
+            </a:pPr>
+            <a:r>
+              <a:rPr lang="it-IT" sz="1400" dirty="0">
+                <a:latin typeface="Arial" panose="020B0604020202020204" pitchFamily="34" charset="0"/>
+                <a:cs typeface="Arial" panose="020B0604020202020204" pitchFamily="34" charset="0"/>
+              </a:rPr>
+              <a:t>Adenina (A)</a:t>
+            </a:r>
+          </a:p>
+          <a:p>
+            <a:pPr marL="742950" lvl="1" indent="-285750">
+              <a:buFont typeface="Arial" panose="020B0604020202020204" pitchFamily="34" charset="0"/>
+              <a:buChar char="•"/>
+            </a:pPr>
+            <a:r>
+              <a:rPr lang="it-IT" sz="1400" dirty="0">
+                <a:latin typeface="Arial" panose="020B0604020202020204" pitchFamily="34" charset="0"/>
+                <a:cs typeface="Arial" panose="020B0604020202020204" pitchFamily="34" charset="0"/>
+              </a:rPr>
+              <a:t>Guanina (G)</a:t>
+            </a:r>
+          </a:p>
+          <a:p>
+            <a:pPr marL="742950" lvl="1" indent="-285750">
+              <a:buFont typeface="Arial" panose="020B0604020202020204" pitchFamily="34" charset="0"/>
+              <a:buChar char="•"/>
+            </a:pPr>
+            <a:r>
+              <a:rPr lang="it-IT" sz="1400" dirty="0">
+                <a:latin typeface="Arial" panose="020B0604020202020204" pitchFamily="34" charset="0"/>
+                <a:cs typeface="Arial" panose="020B0604020202020204" pitchFamily="34" charset="0"/>
+              </a:rPr>
+              <a:t>Citosina (C)</a:t>
+            </a:r>
+          </a:p>
+        </p:txBody>
+      </p:sp>
+      <p:sp>
+        <p:nvSpPr>
+          <p:cNvPr id="22" name="CasellaDiTesto 21">
+            <a:extLst>
+              <a:ext uri="{FF2B5EF4-FFF2-40B4-BE49-F238E27FC236}">
+                <a16:creationId xmlns:a16="http://schemas.microsoft.com/office/drawing/2014/main" id="{89D3F274-A700-4B6F-907B-2CAD85377F28}"/>
+              </a:ext>
+            </a:extLst>
+          </p:cNvPr>
+          <p:cNvSpPr txBox="1"/>
+          <p:nvPr/>
+        </p:nvSpPr>
+        <p:spPr>
+          <a:xfrm>
+            <a:off x="1790498" y="5392230"/>
+            <a:ext cx="2974019" cy="307777"/>
+          </a:xfrm>
+          <a:prstGeom prst="rect">
+            <a:avLst/>
+          </a:prstGeom>
+          <a:noFill/>
+        </p:spPr>
+        <p:txBody>
+          <a:bodyPr wrap="square" rtlCol="0">
+            <a:spAutoFit/>
+          </a:bodyPr>
+          <a:lstStyle/>
+          <a:p>
+            <a:r>
+              <a:rPr lang="it-IT" sz="1400" dirty="0">
+                <a:latin typeface="Arial" panose="020B0604020202020204" pitchFamily="34" charset="0"/>
+                <a:cs typeface="Arial" panose="020B0604020202020204" pitchFamily="34" charset="0"/>
+              </a:rPr>
+              <a:t>Esempio di una sequenza di DNA</a:t>
+            </a:r>
+          </a:p>
+        </p:txBody>
+      </p:sp>
+      <p:sp>
+        <p:nvSpPr>
+          <p:cNvPr id="5" name="Freccia a destra 4">
+            <a:extLst>
+              <a:ext uri="{FF2B5EF4-FFF2-40B4-BE49-F238E27FC236}">
+                <a16:creationId xmlns:a16="http://schemas.microsoft.com/office/drawing/2014/main" id="{CAA60BB1-A647-480E-A68D-04208F1BFCD1}"/>
+              </a:ext>
+            </a:extLst>
+          </p:cNvPr>
+          <p:cNvSpPr/>
+          <p:nvPr/>
+        </p:nvSpPr>
+        <p:spPr>
+          <a:xfrm>
+            <a:off x="4672111" y="5440673"/>
+            <a:ext cx="825624" cy="210890"/>
+          </a:xfrm>
+          <a:prstGeom prst="rightArrow">
+            <a:avLst/>
+          </a:prstGeom>
+        </p:spPr>
+        <p:style>
+          <a:lnRef idx="1">
+            <a:schemeClr val="accent1"/>
+          </a:lnRef>
+          <a:fillRef idx="3">
+            <a:schemeClr val="accent1"/>
+          </a:fillRef>
+          <a:effectRef idx="2">
+            <a:schemeClr val="accent1"/>
+          </a:effectRef>
+          <a:fontRef idx="minor">
+            <a:schemeClr val="lt1"/>
+          </a:fontRef>
+        </p:style>
+        <p:txBody>
+          <a:bodyPr rtlCol="0" anchor="ctr"/>
+          <a:lstStyle/>
+          <a:p>
+            <a:pPr algn="ctr"/>
+            <a:endParaRPr lang="it-IT"/>
+          </a:p>
+        </p:txBody>
+      </p:sp>
+      <p:sp>
+        <p:nvSpPr>
+          <p:cNvPr id="24" name="CasellaDiTesto 23">
+            <a:extLst>
+              <a:ext uri="{FF2B5EF4-FFF2-40B4-BE49-F238E27FC236}">
+                <a16:creationId xmlns:a16="http://schemas.microsoft.com/office/drawing/2014/main" id="{5644040A-8CC9-4D53-AD0F-F87742495383}"/>
+              </a:ext>
+            </a:extLst>
+          </p:cNvPr>
+          <p:cNvSpPr txBox="1"/>
+          <p:nvPr/>
+        </p:nvSpPr>
+        <p:spPr>
+          <a:xfrm>
+            <a:off x="5615326" y="5386326"/>
+            <a:ext cx="1387860" cy="307777"/>
+          </a:xfrm>
+          <a:prstGeom prst="rect">
+            <a:avLst/>
+          </a:prstGeom>
+          <a:noFill/>
+        </p:spPr>
+        <p:txBody>
+          <a:bodyPr wrap="square" rtlCol="0">
+            <a:spAutoFit/>
+          </a:bodyPr>
+          <a:lstStyle/>
+          <a:p>
+            <a:r>
+              <a:rPr lang="it-IT" sz="1400" dirty="0">
+                <a:latin typeface="Arial" panose="020B0604020202020204" pitchFamily="34" charset="0"/>
+                <a:cs typeface="Arial" panose="020B0604020202020204" pitchFamily="34" charset="0"/>
+              </a:rPr>
+              <a:t>ATGTAAGACT</a:t>
+            </a:r>
+          </a:p>
+        </p:txBody>
+      </p:sp>
+      <p:sp>
+        <p:nvSpPr>
+          <p:cNvPr id="25" name="CasellaDiTesto 24">
+            <a:extLst>
+              <a:ext uri="{FF2B5EF4-FFF2-40B4-BE49-F238E27FC236}">
+                <a16:creationId xmlns:a16="http://schemas.microsoft.com/office/drawing/2014/main" id="{3070D16C-A28B-45DB-B756-1AADA56E1860}"/>
+              </a:ext>
+            </a:extLst>
+          </p:cNvPr>
+          <p:cNvSpPr txBox="1"/>
+          <p:nvPr/>
+        </p:nvSpPr>
+        <p:spPr>
+          <a:xfrm>
+            <a:off x="368801" y="4465532"/>
+            <a:ext cx="9134939" cy="307777"/>
+          </a:xfrm>
+          <a:prstGeom prst="rect">
+            <a:avLst/>
+          </a:prstGeom>
+          <a:noFill/>
+        </p:spPr>
+        <p:txBody>
+          <a:bodyPr wrap="square" rtlCol="0">
+            <a:spAutoFit/>
+          </a:bodyPr>
+          <a:lstStyle/>
+          <a:p>
+            <a:r>
+              <a:rPr lang="it-IT" sz="1400" dirty="0">
+                <a:latin typeface="Arial" panose="020B0604020202020204" pitchFamily="34" charset="0"/>
+                <a:cs typeface="Arial" panose="020B0604020202020204" pitchFamily="34" charset="0"/>
+              </a:rPr>
+              <a:t>Una successione di basi azotate che contiene una determinata informazione prende il nome di </a:t>
+            </a:r>
+            <a:r>
+              <a:rPr lang="it-IT" sz="1400" b="1" dirty="0">
+                <a:latin typeface="Arial" panose="020B0604020202020204" pitchFamily="34" charset="0"/>
+                <a:cs typeface="Arial" panose="020B0604020202020204" pitchFamily="34" charset="0"/>
+              </a:rPr>
+              <a:t>sequenza</a:t>
+            </a:r>
+            <a:r>
+              <a:rPr lang="it-IT" sz="1400" dirty="0">
+                <a:latin typeface="Arial" panose="020B0604020202020204" pitchFamily="34" charset="0"/>
+                <a:cs typeface="Arial" panose="020B0604020202020204" pitchFamily="34" charset="0"/>
+              </a:rPr>
+              <a:t>.</a:t>
+            </a:r>
+          </a:p>
+        </p:txBody>
+      </p:sp>
+    </p:spTree>
+    <p:extLst>
+      <p:ext uri="{BB962C8B-B14F-4D97-AF65-F5344CB8AC3E}">
+        <p14:creationId xmlns:p14="http://schemas.microsoft.com/office/powerpoint/2010/main" val="3016431194"/>
+      </p:ext>
+    </p:extLst>
+  </p:cSld>
+  <p:clrMapOvr>
+    <a:masterClrMapping/>
+  </p:clrMapOvr>
+</p:sld>
+</file>
+
+<file path=ppt/slides/slide5.xml><?xml version="1.0" encoding="utf-8"?>
+<p:sld xmlns:a="http://schemas.openxmlformats.org/drawingml/2006/main" xmlns:r="http://schemas.openxmlformats.org/officeDocument/2006/relationships" xmlns:p="http://schemas.openxmlformats.org/presentationml/2006/main">
+  <p:cSld>
+    <p:spTree>
+      <p:nvGrpSpPr>
+        <p:cNvPr id="1" name=""/>
+        <p:cNvGrpSpPr/>
+        <p:nvPr/>
+      </p:nvGrpSpPr>
+      <p:grpSpPr>
+        <a:xfrm>
+          <a:off x="0" y="0"/>
+          <a:ext cx="0" cy="0"/>
+          <a:chOff x="0" y="0"/>
+          <a:chExt cx="0" cy="0"/>
+        </a:xfrm>
+      </p:grpSpPr>
+      <p:sp>
+        <p:nvSpPr>
+          <p:cNvPr id="2" name="Titolo 1">
+            <a:extLst>
+              <a:ext uri="{FF2B5EF4-FFF2-40B4-BE49-F238E27FC236}">
+                <a16:creationId xmlns:a16="http://schemas.microsoft.com/office/drawing/2014/main" id="{66438F11-CAD6-4B3E-ADDB-57E86BC70735}"/>
+              </a:ext>
+            </a:extLst>
+          </p:cNvPr>
+          <p:cNvSpPr>
+            <a:spLocks noGrp="1"/>
+          </p:cNvSpPr>
+          <p:nvPr>
+            <p:ph type="title"/>
+          </p:nvPr>
+        </p:nvSpPr>
+        <p:spPr>
+          <a:xfrm>
+            <a:off x="0" y="0"/>
+            <a:ext cx="9144000" cy="498211"/>
+          </a:xfrm>
+        </p:spPr>
+        <p:txBody>
+          <a:bodyPr>
+            <a:noAutofit/>
+          </a:bodyPr>
+          <a:lstStyle/>
+          <a:p>
+            <a:r>
+              <a:rPr lang="it-IT" sz="2400" dirty="0">
+                <a:solidFill>
+                  <a:schemeClr val="tx2">
+                    <a:lumMod val="60000"/>
+                    <a:lumOff val="40000"/>
+                  </a:schemeClr>
+                </a:solidFill>
+              </a:rPr>
+              <a:t>Slide «Concetti base di biologia»</a:t>
             </a:r>
           </a:p>
         </p:txBody>
@@ -5191,7 +6010,629 @@
 </p:sld>
 </file>
 
-<file path=ppt/slides/slide4.xml><?xml version="1.0" encoding="utf-8"?>
+<file path=ppt/slides/slide6.xml><?xml version="1.0" encoding="utf-8"?>
+<p:sld xmlns:a="http://schemas.openxmlformats.org/drawingml/2006/main" xmlns:r="http://schemas.openxmlformats.org/officeDocument/2006/relationships" xmlns:p="http://schemas.openxmlformats.org/presentationml/2006/main">
+  <p:cSld>
+    <p:spTree>
+      <p:nvGrpSpPr>
+        <p:cNvPr id="1" name=""/>
+        <p:cNvGrpSpPr/>
+        <p:nvPr/>
+      </p:nvGrpSpPr>
+      <p:grpSpPr>
+        <a:xfrm>
+          <a:off x="0" y="0"/>
+          <a:ext cx="0" cy="0"/>
+          <a:chOff x="0" y="0"/>
+          <a:chExt cx="0" cy="0"/>
+        </a:xfrm>
+      </p:grpSpPr>
+      <p:pic>
+        <p:nvPicPr>
+          <p:cNvPr id="2" name="Immagine 1"/>
+          <p:cNvPicPr>
+            <a:picLocks noChangeAspect="1"/>
+          </p:cNvPicPr>
+          <p:nvPr/>
+        </p:nvPicPr>
+        <p:blipFill>
+          <a:blip r:embed="rId3"/>
+          <a:stretch>
+            <a:fillRect/>
+          </a:stretch>
+        </p:blipFill>
+        <p:spPr>
+          <a:xfrm>
+            <a:off x="0" y="1707"/>
+            <a:ext cx="9180512" cy="6872633"/>
+          </a:xfrm>
+          <a:prstGeom prst="rect">
+            <a:avLst/>
+          </a:prstGeom>
+        </p:spPr>
+      </p:pic>
+      <p:sp>
+        <p:nvSpPr>
+          <p:cNvPr id="7" name="CasellaDiTesto 6"/>
+          <p:cNvSpPr txBox="1"/>
+          <p:nvPr/>
+        </p:nvSpPr>
+        <p:spPr>
+          <a:xfrm>
+            <a:off x="648253" y="1305402"/>
+            <a:ext cx="4663050" cy="461665"/>
+          </a:xfrm>
+          <a:prstGeom prst="rect">
+            <a:avLst/>
+          </a:prstGeom>
+          <a:noFill/>
+        </p:spPr>
+        <p:txBody>
+          <a:bodyPr wrap="square" rtlCol="0">
+            <a:spAutoFit/>
+          </a:bodyPr>
+          <a:lstStyle/>
+          <a:p>
+            <a:r>
+              <a:rPr lang="it-IT" sz="2400" b="1" dirty="0">
+                <a:solidFill>
+                  <a:schemeClr val="accent1">
+                    <a:lumMod val="75000"/>
+                  </a:schemeClr>
+                </a:solidFill>
+                <a:latin typeface="Arial"/>
+                <a:cs typeface="Arial"/>
+              </a:rPr>
+              <a:t>Titolo </a:t>
+            </a:r>
+            <a:r>
+              <a:rPr lang="it-IT" sz="2400" b="1" dirty="0" err="1">
+                <a:solidFill>
+                  <a:schemeClr val="accent1">
+                    <a:lumMod val="75000"/>
+                  </a:schemeClr>
+                </a:solidFill>
+                <a:latin typeface="Arial"/>
+                <a:cs typeface="Arial"/>
+              </a:rPr>
+              <a:t>arial</a:t>
+            </a:r>
+            <a:r>
+              <a:rPr lang="it-IT" sz="2400" b="1" dirty="0">
+                <a:solidFill>
+                  <a:schemeClr val="accent1">
+                    <a:lumMod val="75000"/>
+                  </a:schemeClr>
+                </a:solidFill>
+                <a:latin typeface="Arial"/>
+                <a:cs typeface="Arial"/>
+              </a:rPr>
+              <a:t> </a:t>
+            </a:r>
+            <a:r>
+              <a:rPr lang="it-IT" sz="2400" b="1" dirty="0" err="1">
+                <a:solidFill>
+                  <a:schemeClr val="accent1">
+                    <a:lumMod val="75000"/>
+                  </a:schemeClr>
+                </a:solidFill>
+                <a:latin typeface="Arial"/>
+                <a:cs typeface="Arial"/>
+              </a:rPr>
+              <a:t>bold</a:t>
+            </a:r>
+            <a:r>
+              <a:rPr lang="it-IT" sz="2400" b="1" dirty="0">
+                <a:solidFill>
+                  <a:schemeClr val="accent1">
+                    <a:lumMod val="75000"/>
+                  </a:schemeClr>
+                </a:solidFill>
+                <a:latin typeface="Arial"/>
+                <a:cs typeface="Arial"/>
+              </a:rPr>
+              <a:t> 24 </a:t>
+            </a:r>
+            <a:r>
+              <a:rPr lang="it-IT" sz="2400" b="1" dirty="0" err="1">
+                <a:solidFill>
+                  <a:schemeClr val="accent1">
+                    <a:lumMod val="75000"/>
+                  </a:schemeClr>
+                </a:solidFill>
+                <a:latin typeface="Arial"/>
+                <a:cs typeface="Arial"/>
+              </a:rPr>
+              <a:t>pt</a:t>
+            </a:r>
+            <a:endParaRPr lang="it-IT" sz="2400" b="1" dirty="0">
+              <a:solidFill>
+                <a:schemeClr val="accent1">
+                  <a:lumMod val="75000"/>
+                </a:schemeClr>
+              </a:solidFill>
+              <a:latin typeface="Arial"/>
+              <a:cs typeface="Arial"/>
+            </a:endParaRPr>
+          </a:p>
+        </p:txBody>
+      </p:sp>
+      <p:sp>
+        <p:nvSpPr>
+          <p:cNvPr id="8" name="CasellaDiTesto 7"/>
+          <p:cNvSpPr txBox="1"/>
+          <p:nvPr/>
+        </p:nvSpPr>
+        <p:spPr>
+          <a:xfrm>
+            <a:off x="648253" y="1705113"/>
+            <a:ext cx="3071762" cy="369332"/>
+          </a:xfrm>
+          <a:prstGeom prst="rect">
+            <a:avLst/>
+          </a:prstGeom>
+          <a:noFill/>
+        </p:spPr>
+        <p:txBody>
+          <a:bodyPr wrap="none" rtlCol="0">
+            <a:spAutoFit/>
+          </a:bodyPr>
+          <a:lstStyle/>
+          <a:p>
+            <a:r>
+              <a:rPr lang="it-IT" dirty="0">
+                <a:latin typeface="Arial"/>
+                <a:cs typeface="Arial"/>
+              </a:rPr>
+              <a:t>Sottotitolo </a:t>
+            </a:r>
+            <a:r>
+              <a:rPr lang="it-IT" dirty="0" err="1">
+                <a:latin typeface="Arial"/>
+                <a:cs typeface="Arial"/>
+              </a:rPr>
+              <a:t>arial</a:t>
+            </a:r>
+            <a:r>
+              <a:rPr lang="it-IT" dirty="0">
+                <a:latin typeface="Arial"/>
+                <a:cs typeface="Arial"/>
+              </a:rPr>
+              <a:t> regular 18 </a:t>
+            </a:r>
+            <a:r>
+              <a:rPr lang="it-IT" dirty="0" err="1">
+                <a:latin typeface="Arial"/>
+                <a:cs typeface="Arial"/>
+              </a:rPr>
+              <a:t>pt</a:t>
+            </a:r>
+            <a:endParaRPr lang="it-IT" dirty="0">
+              <a:latin typeface="Arial"/>
+              <a:cs typeface="Arial"/>
+            </a:endParaRPr>
+          </a:p>
+        </p:txBody>
+      </p:sp>
+      <p:sp>
+        <p:nvSpPr>
+          <p:cNvPr id="9" name="CasellaDiTesto 8"/>
+          <p:cNvSpPr txBox="1"/>
+          <p:nvPr/>
+        </p:nvSpPr>
+        <p:spPr>
+          <a:xfrm>
+            <a:off x="648253" y="2650078"/>
+            <a:ext cx="7819027" cy="1815882"/>
+          </a:xfrm>
+          <a:prstGeom prst="rect">
+            <a:avLst/>
+          </a:prstGeom>
+          <a:noFill/>
+        </p:spPr>
+        <p:txBody>
+          <a:bodyPr wrap="square" rtlCol="0">
+            <a:spAutoFit/>
+          </a:bodyPr>
+          <a:lstStyle/>
+          <a:p>
+            <a:pPr algn="just"/>
+            <a:r>
+              <a:rPr lang="it-IT" sz="1400" dirty="0"/>
+              <a:t>Esempio di slide solo testo </a:t>
+            </a:r>
+            <a:r>
+              <a:rPr lang="it-IT" sz="1400" dirty="0" err="1"/>
+              <a:t>arial</a:t>
+            </a:r>
+            <a:r>
+              <a:rPr lang="it-IT" sz="1400" dirty="0"/>
+              <a:t> regular 14 </a:t>
+            </a:r>
+            <a:r>
+              <a:rPr lang="it-IT" sz="1400" dirty="0" err="1"/>
+              <a:t>pt</a:t>
+            </a:r>
+            <a:r>
+              <a:rPr lang="it-IT" sz="1400" dirty="0"/>
+              <a:t> allineamento a sinistra o giustificato Esempio di slide solo testo </a:t>
+            </a:r>
+            <a:r>
+              <a:rPr lang="it-IT" sz="1400" dirty="0" err="1"/>
+              <a:t>arial</a:t>
+            </a:r>
+            <a:r>
+              <a:rPr lang="it-IT" sz="1400" dirty="0"/>
+              <a:t> regular 14 </a:t>
+            </a:r>
+            <a:r>
+              <a:rPr lang="it-IT" sz="1400" dirty="0" err="1"/>
+              <a:t>pt</a:t>
+            </a:r>
+            <a:r>
+              <a:rPr lang="it-IT" sz="1400" dirty="0"/>
+              <a:t> allineamento a sinistra o giustificato Esempio di slide solo testo </a:t>
+            </a:r>
+            <a:r>
+              <a:rPr lang="it-IT" sz="1400" dirty="0" err="1"/>
+              <a:t>arial</a:t>
+            </a:r>
+            <a:r>
+              <a:rPr lang="it-IT" sz="1400" dirty="0"/>
+              <a:t> regular 14 </a:t>
+            </a:r>
+            <a:r>
+              <a:rPr lang="it-IT" sz="1400" dirty="0" err="1"/>
+              <a:t>pt</a:t>
+            </a:r>
+            <a:r>
+              <a:rPr lang="it-IT" sz="1400" dirty="0"/>
+              <a:t> allineamento a sinistra o giustificato Esempio di slide solo testo </a:t>
+            </a:r>
+            <a:r>
+              <a:rPr lang="it-IT" sz="1400" dirty="0" err="1"/>
+              <a:t>arial</a:t>
+            </a:r>
+            <a:r>
+              <a:rPr lang="it-IT" sz="1400" dirty="0"/>
+              <a:t> regular 14 </a:t>
+            </a:r>
+            <a:r>
+              <a:rPr lang="it-IT" sz="1400" dirty="0" err="1"/>
+              <a:t>pt</a:t>
+            </a:r>
+            <a:r>
+              <a:rPr lang="it-IT" sz="1400" dirty="0"/>
+              <a:t> allineamento a sinistra o giustificato Esempio di slide solo testo </a:t>
+            </a:r>
+            <a:r>
+              <a:rPr lang="it-IT" sz="1400" dirty="0" err="1"/>
+              <a:t>arial</a:t>
+            </a:r>
+            <a:r>
+              <a:rPr lang="it-IT" sz="1400" dirty="0"/>
+              <a:t> regular 14 </a:t>
+            </a:r>
+            <a:r>
+              <a:rPr lang="it-IT" sz="1400" dirty="0" err="1"/>
+              <a:t>pt</a:t>
+            </a:r>
+            <a:r>
+              <a:rPr lang="it-IT" sz="1400" dirty="0"/>
+              <a:t> allineamento a sinistra o giustificato Esempio di slide solo testo </a:t>
+            </a:r>
+            <a:r>
+              <a:rPr lang="it-IT" sz="1400" dirty="0" err="1"/>
+              <a:t>arial</a:t>
+            </a:r>
+            <a:r>
+              <a:rPr lang="it-IT" sz="1400" dirty="0"/>
+              <a:t> regular 14 </a:t>
+            </a:r>
+            <a:r>
+              <a:rPr lang="it-IT" sz="1400" dirty="0" err="1"/>
+              <a:t>pt</a:t>
+            </a:r>
+            <a:r>
+              <a:rPr lang="it-IT" sz="1400" dirty="0"/>
+              <a:t> allineamento a sinistra o giustificato           </a:t>
+            </a:r>
+          </a:p>
+          <a:p>
+            <a:pPr algn="just"/>
+            <a:r>
+              <a:rPr lang="it-IT" sz="1400" dirty="0"/>
+              <a:t>           </a:t>
+            </a:r>
+          </a:p>
+          <a:p>
+            <a:pPr algn="just"/>
+            <a:r>
+              <a:rPr lang="it-IT" sz="1400" dirty="0"/>
+              <a:t>           </a:t>
+            </a:r>
+          </a:p>
+          <a:p>
+            <a:pPr algn="just"/>
+            <a:r>
+              <a:rPr lang="it-IT" sz="1400" dirty="0"/>
+              <a:t>           </a:t>
+            </a:r>
+          </a:p>
+        </p:txBody>
+      </p:sp>
+      <p:sp>
+        <p:nvSpPr>
+          <p:cNvPr id="12" name="Rettangolo 11"/>
+          <p:cNvSpPr/>
+          <p:nvPr/>
+        </p:nvSpPr>
+        <p:spPr>
+          <a:xfrm>
+            <a:off x="8255000" y="6366466"/>
+            <a:ext cx="280763" cy="501650"/>
+          </a:xfrm>
+          <a:prstGeom prst="rect">
+            <a:avLst/>
+          </a:prstGeom>
+          <a:solidFill>
+            <a:srgbClr val="003053"/>
+          </a:solidFill>
+        </p:spPr>
+        <p:style>
+          <a:lnRef idx="1">
+            <a:schemeClr val="accent1"/>
+          </a:lnRef>
+          <a:fillRef idx="3">
+            <a:schemeClr val="accent1"/>
+          </a:fillRef>
+          <a:effectRef idx="2">
+            <a:schemeClr val="accent1"/>
+          </a:effectRef>
+          <a:fontRef idx="minor">
+            <a:schemeClr val="lt1"/>
+          </a:fontRef>
+        </p:style>
+        <p:txBody>
+          <a:bodyPr rtlCol="0" anchor="ctr"/>
+          <a:lstStyle/>
+          <a:p>
+            <a:pPr algn="ctr"/>
+            <a:endParaRPr lang="it-IT">
+              <a:solidFill>
+                <a:srgbClr val="003257"/>
+              </a:solidFill>
+            </a:endParaRPr>
+          </a:p>
+        </p:txBody>
+      </p:sp>
+      <p:sp>
+        <p:nvSpPr>
+          <p:cNvPr id="11" name="Segnaposto numero diapositiva 10"/>
+          <p:cNvSpPr>
+            <a:spLocks noGrp="1"/>
+          </p:cNvSpPr>
+          <p:nvPr>
+            <p:ph type="sldNum" sz="quarter" idx="12"/>
+          </p:nvPr>
+        </p:nvSpPr>
+        <p:spPr>
+          <a:xfrm>
+            <a:off x="6402163" y="6356350"/>
+            <a:ext cx="2133600" cy="365125"/>
+          </a:xfrm>
+        </p:spPr>
+        <p:txBody>
+          <a:bodyPr/>
+          <a:lstStyle/>
+          <a:p>
+            <a:fld id="{8EB8520A-26EA-DE4B-B141-4532FC98FF0E}" type="slidenum">
+              <a:rPr lang="it-IT" b="1" smtClean="0">
+                <a:solidFill>
+                  <a:schemeClr val="bg1"/>
+                </a:solidFill>
+                <a:latin typeface="Arial"/>
+                <a:cs typeface="Arial"/>
+              </a:rPr>
+              <a:pPr/>
+              <a:t>6</a:t>
+            </a:fld>
+            <a:endParaRPr lang="it-IT" b="1" dirty="0">
+              <a:solidFill>
+                <a:schemeClr val="bg1"/>
+              </a:solidFill>
+              <a:latin typeface="Arial"/>
+              <a:cs typeface="Arial"/>
+            </a:endParaRPr>
+          </a:p>
+        </p:txBody>
+      </p:sp>
+      <p:sp>
+        <p:nvSpPr>
+          <p:cNvPr id="10" name="CasellaDiTesto 9"/>
+          <p:cNvSpPr txBox="1"/>
+          <p:nvPr/>
+        </p:nvSpPr>
+        <p:spPr>
+          <a:xfrm>
+            <a:off x="7508873" y="51433"/>
+            <a:ext cx="1184940" cy="338554"/>
+          </a:xfrm>
+          <a:prstGeom prst="rect">
+            <a:avLst/>
+          </a:prstGeom>
+          <a:noFill/>
+        </p:spPr>
+        <p:txBody>
+          <a:bodyPr wrap="none" rtlCol="0">
+            <a:spAutoFit/>
+          </a:bodyPr>
+          <a:lstStyle/>
+          <a:p>
+            <a:pPr algn="r"/>
+            <a:r>
+              <a:rPr lang="it-IT" sz="800" b="1" dirty="0">
+                <a:solidFill>
+                  <a:schemeClr val="bg1"/>
+                </a:solidFill>
+                <a:latin typeface="Arial"/>
+                <a:cs typeface="Arial"/>
+              </a:rPr>
+              <a:t>Titolo presentazione </a:t>
+            </a:r>
+          </a:p>
+          <a:p>
+            <a:pPr algn="r"/>
+            <a:r>
+              <a:rPr lang="it-IT" sz="800" b="1" dirty="0" err="1">
+                <a:solidFill>
+                  <a:schemeClr val="bg1"/>
+                </a:solidFill>
+                <a:latin typeface="Arial"/>
+                <a:cs typeface="Arial"/>
+              </a:rPr>
+              <a:t>arial</a:t>
+            </a:r>
+            <a:r>
+              <a:rPr lang="it-IT" sz="800" b="1" dirty="0">
+                <a:solidFill>
+                  <a:schemeClr val="bg1"/>
+                </a:solidFill>
+                <a:latin typeface="Arial"/>
+                <a:cs typeface="Arial"/>
+              </a:rPr>
+              <a:t> </a:t>
+            </a:r>
+            <a:r>
+              <a:rPr lang="it-IT" sz="800" b="1" dirty="0" err="1">
+                <a:solidFill>
+                  <a:schemeClr val="bg1"/>
+                </a:solidFill>
+                <a:latin typeface="Arial"/>
+                <a:cs typeface="Arial"/>
+              </a:rPr>
+              <a:t>bold</a:t>
+            </a:r>
+            <a:r>
+              <a:rPr lang="it-IT" sz="800" b="1" dirty="0">
+                <a:solidFill>
+                  <a:schemeClr val="bg1"/>
+                </a:solidFill>
+                <a:latin typeface="Arial"/>
+                <a:cs typeface="Arial"/>
+              </a:rPr>
+              <a:t> 8 </a:t>
+            </a:r>
+            <a:r>
+              <a:rPr lang="it-IT" sz="800" b="1" dirty="0" err="1">
+                <a:solidFill>
+                  <a:schemeClr val="bg1"/>
+                </a:solidFill>
+                <a:latin typeface="Arial"/>
+                <a:cs typeface="Arial"/>
+              </a:rPr>
+              <a:t>pt</a:t>
+            </a:r>
+            <a:endParaRPr lang="it-IT" sz="800" b="1" dirty="0">
+              <a:solidFill>
+                <a:schemeClr val="bg1"/>
+              </a:solidFill>
+              <a:latin typeface="Arial"/>
+              <a:cs typeface="Arial"/>
+            </a:endParaRPr>
+          </a:p>
+        </p:txBody>
+      </p:sp>
+      <p:sp>
+        <p:nvSpPr>
+          <p:cNvPr id="14" name="CasellaDiTesto 13"/>
+          <p:cNvSpPr txBox="1"/>
+          <p:nvPr/>
+        </p:nvSpPr>
+        <p:spPr>
+          <a:xfrm>
+            <a:off x="7082015" y="403482"/>
+            <a:ext cx="1621846" cy="492443"/>
+          </a:xfrm>
+          <a:prstGeom prst="rect">
+            <a:avLst/>
+          </a:prstGeom>
+          <a:noFill/>
+        </p:spPr>
+        <p:txBody>
+          <a:bodyPr wrap="none" rtlCol="0">
+            <a:spAutoFit/>
+          </a:bodyPr>
+          <a:lstStyle/>
+          <a:p>
+            <a:pPr algn="r"/>
+            <a:r>
+              <a:rPr lang="it-IT" sz="800" dirty="0">
+                <a:solidFill>
+                  <a:schemeClr val="bg1"/>
+                </a:solidFill>
+                <a:latin typeface="Arial"/>
+                <a:cs typeface="Arial"/>
+              </a:rPr>
+              <a:t>Luogo e data </a:t>
+            </a:r>
+            <a:r>
+              <a:rPr lang="it-IT" sz="800" dirty="0" err="1">
+                <a:solidFill>
+                  <a:schemeClr val="bg1"/>
+                </a:solidFill>
+                <a:latin typeface="Arial"/>
+                <a:cs typeface="Arial"/>
+              </a:rPr>
+              <a:t>arial</a:t>
+            </a:r>
+            <a:r>
+              <a:rPr lang="it-IT" sz="800" dirty="0">
+                <a:solidFill>
+                  <a:schemeClr val="bg1"/>
+                </a:solidFill>
+                <a:latin typeface="Arial"/>
+                <a:cs typeface="Arial"/>
+              </a:rPr>
+              <a:t> regular 8 </a:t>
+            </a:r>
+            <a:r>
+              <a:rPr lang="it-IT" sz="800" dirty="0" err="1">
+                <a:solidFill>
+                  <a:schemeClr val="bg1"/>
+                </a:solidFill>
+                <a:latin typeface="Arial"/>
+                <a:cs typeface="Arial"/>
+              </a:rPr>
+              <a:t>pt</a:t>
+            </a:r>
+            <a:endParaRPr lang="it-IT" sz="800" dirty="0">
+              <a:solidFill>
+                <a:schemeClr val="bg1"/>
+              </a:solidFill>
+              <a:latin typeface="Arial"/>
+              <a:cs typeface="Arial"/>
+            </a:endParaRPr>
+          </a:p>
+          <a:p>
+            <a:endParaRPr lang="it-IT" dirty="0"/>
+          </a:p>
+        </p:txBody>
+      </p:sp>
+    </p:spTree>
+    <p:extLst>
+      <p:ext uri="{BB962C8B-B14F-4D97-AF65-F5344CB8AC3E}">
+        <p14:creationId xmlns:p14="http://schemas.microsoft.com/office/powerpoint/2010/main" val="1317185678"/>
+      </p:ext>
+    </p:extLst>
+  </p:cSld>
+  <p:clrMapOvr>
+    <a:masterClrMapping/>
+  </p:clrMapOvr>
+</p:sld>
+</file>
+
+<file path=ppt/slides/slide7.xml><?xml version="1.0" encoding="utf-8"?>
 <p:sld xmlns:a="http://schemas.openxmlformats.org/drawingml/2006/main" xmlns:r="http://schemas.openxmlformats.org/officeDocument/2006/relationships" xmlns:p="http://schemas.openxmlformats.org/presentationml/2006/main">
   <p:cSld>
     <p:spTree>
@@ -5467,1102 +6908,7 @@
                 <a:cs typeface="Arial"/>
               </a:rPr>
               <a:pPr/>
-              <a:t>4</a:t>
-            </a:fld>
-            <a:endParaRPr lang="it-IT" b="1" dirty="0">
-              <a:solidFill>
-                <a:schemeClr val="bg1"/>
-              </a:solidFill>
-              <a:latin typeface="Arial"/>
-              <a:cs typeface="Arial"/>
-            </a:endParaRPr>
-          </a:p>
-        </p:txBody>
-      </p:sp>
-      <p:sp>
-        <p:nvSpPr>
-          <p:cNvPr id="10" name="CasellaDiTesto 9"/>
-          <p:cNvSpPr txBox="1"/>
-          <p:nvPr/>
-        </p:nvSpPr>
-        <p:spPr>
-          <a:xfrm>
-            <a:off x="7508873" y="51433"/>
-            <a:ext cx="1184940" cy="338554"/>
-          </a:xfrm>
-          <a:prstGeom prst="rect">
-            <a:avLst/>
-          </a:prstGeom>
-          <a:noFill/>
-        </p:spPr>
-        <p:txBody>
-          <a:bodyPr wrap="none" rtlCol="0">
-            <a:spAutoFit/>
-          </a:bodyPr>
-          <a:lstStyle/>
-          <a:p>
-            <a:pPr algn="r"/>
-            <a:r>
-              <a:rPr lang="it-IT" sz="800" b="1" dirty="0">
-                <a:solidFill>
-                  <a:schemeClr val="bg1"/>
-                </a:solidFill>
-                <a:latin typeface="Arial"/>
-                <a:cs typeface="Arial"/>
-              </a:rPr>
-              <a:t>Titolo presentazione </a:t>
-            </a:r>
-          </a:p>
-          <a:p>
-            <a:pPr algn="r"/>
-            <a:r>
-              <a:rPr lang="it-IT" sz="800" b="1" dirty="0" err="1">
-                <a:solidFill>
-                  <a:schemeClr val="bg1"/>
-                </a:solidFill>
-                <a:latin typeface="Arial"/>
-                <a:cs typeface="Arial"/>
-              </a:rPr>
-              <a:t>arial</a:t>
-            </a:r>
-            <a:r>
-              <a:rPr lang="it-IT" sz="800" b="1" dirty="0">
-                <a:solidFill>
-                  <a:schemeClr val="bg1"/>
-                </a:solidFill>
-                <a:latin typeface="Arial"/>
-                <a:cs typeface="Arial"/>
-              </a:rPr>
-              <a:t> </a:t>
-            </a:r>
-            <a:r>
-              <a:rPr lang="it-IT" sz="800" b="1" dirty="0" err="1">
-                <a:solidFill>
-                  <a:schemeClr val="bg1"/>
-                </a:solidFill>
-                <a:latin typeface="Arial"/>
-                <a:cs typeface="Arial"/>
-              </a:rPr>
-              <a:t>bold</a:t>
-            </a:r>
-            <a:r>
-              <a:rPr lang="it-IT" sz="800" b="1" dirty="0">
-                <a:solidFill>
-                  <a:schemeClr val="bg1"/>
-                </a:solidFill>
-                <a:latin typeface="Arial"/>
-                <a:cs typeface="Arial"/>
-              </a:rPr>
-              <a:t> 8 </a:t>
-            </a:r>
-            <a:r>
-              <a:rPr lang="it-IT" sz="800" b="1" dirty="0" err="1">
-                <a:solidFill>
-                  <a:schemeClr val="bg1"/>
-                </a:solidFill>
-                <a:latin typeface="Arial"/>
-                <a:cs typeface="Arial"/>
-              </a:rPr>
-              <a:t>pt</a:t>
-            </a:r>
-            <a:endParaRPr lang="it-IT" sz="800" b="1" dirty="0">
-              <a:solidFill>
-                <a:schemeClr val="bg1"/>
-              </a:solidFill>
-              <a:latin typeface="Arial"/>
-              <a:cs typeface="Arial"/>
-            </a:endParaRPr>
-          </a:p>
-        </p:txBody>
-      </p:sp>
-      <p:sp>
-        <p:nvSpPr>
-          <p:cNvPr id="14" name="CasellaDiTesto 13"/>
-          <p:cNvSpPr txBox="1"/>
-          <p:nvPr/>
-        </p:nvSpPr>
-        <p:spPr>
-          <a:xfrm>
-            <a:off x="7082015" y="403482"/>
-            <a:ext cx="1621846" cy="492443"/>
-          </a:xfrm>
-          <a:prstGeom prst="rect">
-            <a:avLst/>
-          </a:prstGeom>
-          <a:noFill/>
-        </p:spPr>
-        <p:txBody>
-          <a:bodyPr wrap="none" rtlCol="0">
-            <a:spAutoFit/>
-          </a:bodyPr>
-          <a:lstStyle/>
-          <a:p>
-            <a:pPr algn="r"/>
-            <a:r>
-              <a:rPr lang="it-IT" sz="800" dirty="0">
-                <a:solidFill>
-                  <a:schemeClr val="bg1"/>
-                </a:solidFill>
-                <a:latin typeface="Arial"/>
-                <a:cs typeface="Arial"/>
-              </a:rPr>
-              <a:t>Luogo e data </a:t>
-            </a:r>
-            <a:r>
-              <a:rPr lang="it-IT" sz="800" dirty="0" err="1">
-                <a:solidFill>
-                  <a:schemeClr val="bg1"/>
-                </a:solidFill>
-                <a:latin typeface="Arial"/>
-                <a:cs typeface="Arial"/>
-              </a:rPr>
-              <a:t>arial</a:t>
-            </a:r>
-            <a:r>
-              <a:rPr lang="it-IT" sz="800" dirty="0">
-                <a:solidFill>
-                  <a:schemeClr val="bg1"/>
-                </a:solidFill>
-                <a:latin typeface="Arial"/>
-                <a:cs typeface="Arial"/>
-              </a:rPr>
-              <a:t> regular 8 </a:t>
-            </a:r>
-            <a:r>
-              <a:rPr lang="it-IT" sz="800" dirty="0" err="1">
-                <a:solidFill>
-                  <a:schemeClr val="bg1"/>
-                </a:solidFill>
-                <a:latin typeface="Arial"/>
-                <a:cs typeface="Arial"/>
-              </a:rPr>
-              <a:t>pt</a:t>
-            </a:r>
-            <a:endParaRPr lang="it-IT" sz="800" dirty="0">
-              <a:solidFill>
-                <a:schemeClr val="bg1"/>
-              </a:solidFill>
-              <a:latin typeface="Arial"/>
-              <a:cs typeface="Arial"/>
-            </a:endParaRPr>
-          </a:p>
-          <a:p>
-            <a:endParaRPr lang="it-IT" dirty="0"/>
-          </a:p>
-        </p:txBody>
-      </p:sp>
-    </p:spTree>
-    <p:extLst>
-      <p:ext uri="{BB962C8B-B14F-4D97-AF65-F5344CB8AC3E}">
-        <p14:creationId xmlns:p14="http://schemas.microsoft.com/office/powerpoint/2010/main" val="1076859714"/>
-      </p:ext>
-    </p:extLst>
-  </p:cSld>
-  <p:clrMapOvr>
-    <a:masterClrMapping/>
-  </p:clrMapOvr>
-</p:sld>
-</file>
-
-<file path=ppt/slides/slide5.xml><?xml version="1.0" encoding="utf-8"?>
-<p:sld xmlns:a="http://schemas.openxmlformats.org/drawingml/2006/main" xmlns:r="http://schemas.openxmlformats.org/officeDocument/2006/relationships" xmlns:p="http://schemas.openxmlformats.org/presentationml/2006/main">
-  <p:cSld>
-    <p:spTree>
-      <p:nvGrpSpPr>
-        <p:cNvPr id="1" name=""/>
-        <p:cNvGrpSpPr/>
-        <p:nvPr/>
-      </p:nvGrpSpPr>
-      <p:grpSpPr>
-        <a:xfrm>
-          <a:off x="0" y="0"/>
-          <a:ext cx="0" cy="0"/>
-          <a:chOff x="0" y="0"/>
-          <a:chExt cx="0" cy="0"/>
-        </a:xfrm>
-      </p:grpSpPr>
-      <p:pic>
-        <p:nvPicPr>
-          <p:cNvPr id="2" name="Immagine 1"/>
-          <p:cNvPicPr>
-            <a:picLocks noChangeAspect="1"/>
-          </p:cNvPicPr>
-          <p:nvPr/>
-        </p:nvPicPr>
-        <p:blipFill>
-          <a:blip r:embed="rId3"/>
-          <a:stretch>
-            <a:fillRect/>
-          </a:stretch>
-        </p:blipFill>
-        <p:spPr>
-          <a:xfrm>
-            <a:off x="0" y="1707"/>
-            <a:ext cx="9180512" cy="6872633"/>
-          </a:xfrm>
-          <a:prstGeom prst="rect">
-            <a:avLst/>
-          </a:prstGeom>
-        </p:spPr>
-      </p:pic>
-      <p:sp>
-        <p:nvSpPr>
-          <p:cNvPr id="7" name="CasellaDiTesto 6"/>
-          <p:cNvSpPr txBox="1"/>
-          <p:nvPr/>
-        </p:nvSpPr>
-        <p:spPr>
-          <a:xfrm>
-            <a:off x="648253" y="1305402"/>
-            <a:ext cx="4663050" cy="461665"/>
-          </a:xfrm>
-          <a:prstGeom prst="rect">
-            <a:avLst/>
-          </a:prstGeom>
-          <a:noFill/>
-        </p:spPr>
-        <p:txBody>
-          <a:bodyPr wrap="square" rtlCol="0">
-            <a:spAutoFit/>
-          </a:bodyPr>
-          <a:lstStyle/>
-          <a:p>
-            <a:r>
-              <a:rPr lang="it-IT" sz="2400" b="1" dirty="0">
-                <a:solidFill>
-                  <a:schemeClr val="accent1">
-                    <a:lumMod val="75000"/>
-                  </a:schemeClr>
-                </a:solidFill>
-                <a:latin typeface="Arial"/>
-                <a:cs typeface="Arial"/>
-              </a:rPr>
-              <a:t>Titolo </a:t>
-            </a:r>
-            <a:r>
-              <a:rPr lang="it-IT" sz="2400" b="1" dirty="0" err="1">
-                <a:solidFill>
-                  <a:schemeClr val="accent1">
-                    <a:lumMod val="75000"/>
-                  </a:schemeClr>
-                </a:solidFill>
-                <a:latin typeface="Arial"/>
-                <a:cs typeface="Arial"/>
-              </a:rPr>
-              <a:t>arial</a:t>
-            </a:r>
-            <a:r>
-              <a:rPr lang="it-IT" sz="2400" b="1" dirty="0">
-                <a:solidFill>
-                  <a:schemeClr val="accent1">
-                    <a:lumMod val="75000"/>
-                  </a:schemeClr>
-                </a:solidFill>
-                <a:latin typeface="Arial"/>
-                <a:cs typeface="Arial"/>
-              </a:rPr>
-              <a:t> </a:t>
-            </a:r>
-            <a:r>
-              <a:rPr lang="it-IT" sz="2400" b="1" dirty="0" err="1">
-                <a:solidFill>
-                  <a:schemeClr val="accent1">
-                    <a:lumMod val="75000"/>
-                  </a:schemeClr>
-                </a:solidFill>
-                <a:latin typeface="Arial"/>
-                <a:cs typeface="Arial"/>
-              </a:rPr>
-              <a:t>bold</a:t>
-            </a:r>
-            <a:r>
-              <a:rPr lang="it-IT" sz="2400" b="1" dirty="0">
-                <a:solidFill>
-                  <a:schemeClr val="accent1">
-                    <a:lumMod val="75000"/>
-                  </a:schemeClr>
-                </a:solidFill>
-                <a:latin typeface="Arial"/>
-                <a:cs typeface="Arial"/>
-              </a:rPr>
-              <a:t> 24 </a:t>
-            </a:r>
-            <a:r>
-              <a:rPr lang="it-IT" sz="2400" b="1" dirty="0" err="1">
-                <a:solidFill>
-                  <a:schemeClr val="accent1">
-                    <a:lumMod val="75000"/>
-                  </a:schemeClr>
-                </a:solidFill>
-                <a:latin typeface="Arial"/>
-                <a:cs typeface="Arial"/>
-              </a:rPr>
-              <a:t>pt</a:t>
-            </a:r>
-            <a:endParaRPr lang="it-IT" sz="2400" b="1" dirty="0">
-              <a:solidFill>
-                <a:schemeClr val="accent1">
-                  <a:lumMod val="75000"/>
-                </a:schemeClr>
-              </a:solidFill>
-              <a:latin typeface="Arial"/>
-              <a:cs typeface="Arial"/>
-            </a:endParaRPr>
-          </a:p>
-        </p:txBody>
-      </p:sp>
-      <p:sp>
-        <p:nvSpPr>
-          <p:cNvPr id="8" name="CasellaDiTesto 7"/>
-          <p:cNvSpPr txBox="1"/>
-          <p:nvPr/>
-        </p:nvSpPr>
-        <p:spPr>
-          <a:xfrm>
-            <a:off x="648253" y="1705113"/>
-            <a:ext cx="3071762" cy="369332"/>
-          </a:xfrm>
-          <a:prstGeom prst="rect">
-            <a:avLst/>
-          </a:prstGeom>
-          <a:noFill/>
-        </p:spPr>
-        <p:txBody>
-          <a:bodyPr wrap="none" rtlCol="0">
-            <a:spAutoFit/>
-          </a:bodyPr>
-          <a:lstStyle/>
-          <a:p>
-            <a:r>
-              <a:rPr lang="it-IT" dirty="0">
-                <a:latin typeface="Arial"/>
-                <a:cs typeface="Arial"/>
-              </a:rPr>
-              <a:t>Sottotitolo </a:t>
-            </a:r>
-            <a:r>
-              <a:rPr lang="it-IT" dirty="0" err="1">
-                <a:latin typeface="Arial"/>
-                <a:cs typeface="Arial"/>
-              </a:rPr>
-              <a:t>arial</a:t>
-            </a:r>
-            <a:r>
-              <a:rPr lang="it-IT" dirty="0">
-                <a:latin typeface="Arial"/>
-                <a:cs typeface="Arial"/>
-              </a:rPr>
-              <a:t> regular 18 </a:t>
-            </a:r>
-            <a:r>
-              <a:rPr lang="it-IT" dirty="0" err="1">
-                <a:latin typeface="Arial"/>
-                <a:cs typeface="Arial"/>
-              </a:rPr>
-              <a:t>pt</a:t>
-            </a:r>
-            <a:endParaRPr lang="it-IT" dirty="0">
-              <a:latin typeface="Arial"/>
-              <a:cs typeface="Arial"/>
-            </a:endParaRPr>
-          </a:p>
-        </p:txBody>
-      </p:sp>
-      <p:sp>
-        <p:nvSpPr>
-          <p:cNvPr id="9" name="CasellaDiTesto 8"/>
-          <p:cNvSpPr txBox="1"/>
-          <p:nvPr/>
-        </p:nvSpPr>
-        <p:spPr>
-          <a:xfrm>
-            <a:off x="648253" y="2650078"/>
-            <a:ext cx="7819027" cy="1815882"/>
-          </a:xfrm>
-          <a:prstGeom prst="rect">
-            <a:avLst/>
-          </a:prstGeom>
-          <a:noFill/>
-        </p:spPr>
-        <p:txBody>
-          <a:bodyPr wrap="square" rtlCol="0">
-            <a:spAutoFit/>
-          </a:bodyPr>
-          <a:lstStyle/>
-          <a:p>
-            <a:pPr algn="just"/>
-            <a:r>
-              <a:rPr lang="it-IT" sz="1400" dirty="0"/>
-              <a:t>Esempio di slide solo testo </a:t>
-            </a:r>
-            <a:r>
-              <a:rPr lang="it-IT" sz="1400" dirty="0" err="1"/>
-              <a:t>arial</a:t>
-            </a:r>
-            <a:r>
-              <a:rPr lang="it-IT" sz="1400" dirty="0"/>
-              <a:t> regular 14 </a:t>
-            </a:r>
-            <a:r>
-              <a:rPr lang="it-IT" sz="1400" dirty="0" err="1"/>
-              <a:t>pt</a:t>
-            </a:r>
-            <a:r>
-              <a:rPr lang="it-IT" sz="1400" dirty="0"/>
-              <a:t> allineamento a sinistra o giustificato Esempio di slide solo testo </a:t>
-            </a:r>
-            <a:r>
-              <a:rPr lang="it-IT" sz="1400" dirty="0" err="1"/>
-              <a:t>arial</a:t>
-            </a:r>
-            <a:r>
-              <a:rPr lang="it-IT" sz="1400" dirty="0"/>
-              <a:t> regular 14 </a:t>
-            </a:r>
-            <a:r>
-              <a:rPr lang="it-IT" sz="1400" dirty="0" err="1"/>
-              <a:t>pt</a:t>
-            </a:r>
-            <a:r>
-              <a:rPr lang="it-IT" sz="1400" dirty="0"/>
-              <a:t> allineamento a sinistra o giustificato Esempio di slide solo testo </a:t>
-            </a:r>
-            <a:r>
-              <a:rPr lang="it-IT" sz="1400" dirty="0" err="1"/>
-              <a:t>arial</a:t>
-            </a:r>
-            <a:r>
-              <a:rPr lang="it-IT" sz="1400" dirty="0"/>
-              <a:t> regular 14 </a:t>
-            </a:r>
-            <a:r>
-              <a:rPr lang="it-IT" sz="1400" dirty="0" err="1"/>
-              <a:t>pt</a:t>
-            </a:r>
-            <a:r>
-              <a:rPr lang="it-IT" sz="1400" dirty="0"/>
-              <a:t> allineamento a sinistra o giustificato Esempio di slide solo testo </a:t>
-            </a:r>
-            <a:r>
-              <a:rPr lang="it-IT" sz="1400" dirty="0" err="1"/>
-              <a:t>arial</a:t>
-            </a:r>
-            <a:r>
-              <a:rPr lang="it-IT" sz="1400" dirty="0"/>
-              <a:t> regular 14 </a:t>
-            </a:r>
-            <a:r>
-              <a:rPr lang="it-IT" sz="1400" dirty="0" err="1"/>
-              <a:t>pt</a:t>
-            </a:r>
-            <a:r>
-              <a:rPr lang="it-IT" sz="1400" dirty="0"/>
-              <a:t> allineamento a sinistra o giustificato Esempio di slide solo testo </a:t>
-            </a:r>
-            <a:r>
-              <a:rPr lang="it-IT" sz="1400" dirty="0" err="1"/>
-              <a:t>arial</a:t>
-            </a:r>
-            <a:r>
-              <a:rPr lang="it-IT" sz="1400" dirty="0"/>
-              <a:t> regular 14 </a:t>
-            </a:r>
-            <a:r>
-              <a:rPr lang="it-IT" sz="1400" dirty="0" err="1"/>
-              <a:t>pt</a:t>
-            </a:r>
-            <a:r>
-              <a:rPr lang="it-IT" sz="1400" dirty="0"/>
-              <a:t> allineamento a sinistra o giustificato Esempio di slide solo testo </a:t>
-            </a:r>
-            <a:r>
-              <a:rPr lang="it-IT" sz="1400" dirty="0" err="1"/>
-              <a:t>arial</a:t>
-            </a:r>
-            <a:r>
-              <a:rPr lang="it-IT" sz="1400" dirty="0"/>
-              <a:t> regular 14 </a:t>
-            </a:r>
-            <a:r>
-              <a:rPr lang="it-IT" sz="1400" dirty="0" err="1"/>
-              <a:t>pt</a:t>
-            </a:r>
-            <a:r>
-              <a:rPr lang="it-IT" sz="1400" dirty="0"/>
-              <a:t> allineamento a sinistra o giustificato           </a:t>
-            </a:r>
-          </a:p>
-          <a:p>
-            <a:pPr algn="just"/>
-            <a:r>
-              <a:rPr lang="it-IT" sz="1400" dirty="0"/>
-              <a:t>           </a:t>
-            </a:r>
-          </a:p>
-          <a:p>
-            <a:pPr algn="just"/>
-            <a:r>
-              <a:rPr lang="it-IT" sz="1400" dirty="0"/>
-              <a:t>           </a:t>
-            </a:r>
-          </a:p>
-          <a:p>
-            <a:pPr algn="just"/>
-            <a:r>
-              <a:rPr lang="it-IT" sz="1400" dirty="0"/>
-              <a:t>           </a:t>
-            </a:r>
-          </a:p>
-        </p:txBody>
-      </p:sp>
-      <p:sp>
-        <p:nvSpPr>
-          <p:cNvPr id="12" name="Rettangolo 11"/>
-          <p:cNvSpPr/>
-          <p:nvPr/>
-        </p:nvSpPr>
-        <p:spPr>
-          <a:xfrm>
-            <a:off x="8255000" y="6366466"/>
-            <a:ext cx="280763" cy="501650"/>
-          </a:xfrm>
-          <a:prstGeom prst="rect">
-            <a:avLst/>
-          </a:prstGeom>
-          <a:solidFill>
-            <a:srgbClr val="003053"/>
-          </a:solidFill>
-        </p:spPr>
-        <p:style>
-          <a:lnRef idx="1">
-            <a:schemeClr val="accent1"/>
-          </a:lnRef>
-          <a:fillRef idx="3">
-            <a:schemeClr val="accent1"/>
-          </a:fillRef>
-          <a:effectRef idx="2">
-            <a:schemeClr val="accent1"/>
-          </a:effectRef>
-          <a:fontRef idx="minor">
-            <a:schemeClr val="lt1"/>
-          </a:fontRef>
-        </p:style>
-        <p:txBody>
-          <a:bodyPr rtlCol="0" anchor="ctr"/>
-          <a:lstStyle/>
-          <a:p>
-            <a:pPr algn="ctr"/>
-            <a:endParaRPr lang="it-IT">
-              <a:solidFill>
-                <a:srgbClr val="003257"/>
-              </a:solidFill>
-            </a:endParaRPr>
-          </a:p>
-        </p:txBody>
-      </p:sp>
-      <p:sp>
-        <p:nvSpPr>
-          <p:cNvPr id="11" name="Segnaposto numero diapositiva 10"/>
-          <p:cNvSpPr>
-            <a:spLocks noGrp="1"/>
-          </p:cNvSpPr>
-          <p:nvPr>
-            <p:ph type="sldNum" sz="quarter" idx="12"/>
-          </p:nvPr>
-        </p:nvSpPr>
-        <p:spPr>
-          <a:xfrm>
-            <a:off x="6402163" y="6356350"/>
-            <a:ext cx="2133600" cy="365125"/>
-          </a:xfrm>
-        </p:spPr>
-        <p:txBody>
-          <a:bodyPr/>
-          <a:lstStyle/>
-          <a:p>
-            <a:fld id="{8EB8520A-26EA-DE4B-B141-4532FC98FF0E}" type="slidenum">
-              <a:rPr lang="it-IT" b="1" smtClean="0">
-                <a:solidFill>
-                  <a:schemeClr val="bg1"/>
-                </a:solidFill>
-                <a:latin typeface="Arial"/>
-                <a:cs typeface="Arial"/>
-              </a:rPr>
-              <a:pPr/>
-              <a:t>5</a:t>
-            </a:fld>
-            <a:endParaRPr lang="it-IT" b="1" dirty="0">
-              <a:solidFill>
-                <a:schemeClr val="bg1"/>
-              </a:solidFill>
-              <a:latin typeface="Arial"/>
-              <a:cs typeface="Arial"/>
-            </a:endParaRPr>
-          </a:p>
-        </p:txBody>
-      </p:sp>
-      <p:sp>
-        <p:nvSpPr>
-          <p:cNvPr id="10" name="CasellaDiTesto 9"/>
-          <p:cNvSpPr txBox="1"/>
-          <p:nvPr/>
-        </p:nvSpPr>
-        <p:spPr>
-          <a:xfrm>
-            <a:off x="7508873" y="51433"/>
-            <a:ext cx="1184940" cy="338554"/>
-          </a:xfrm>
-          <a:prstGeom prst="rect">
-            <a:avLst/>
-          </a:prstGeom>
-          <a:noFill/>
-        </p:spPr>
-        <p:txBody>
-          <a:bodyPr wrap="none" rtlCol="0">
-            <a:spAutoFit/>
-          </a:bodyPr>
-          <a:lstStyle/>
-          <a:p>
-            <a:pPr algn="r"/>
-            <a:r>
-              <a:rPr lang="it-IT" sz="800" b="1" dirty="0">
-                <a:solidFill>
-                  <a:schemeClr val="bg1"/>
-                </a:solidFill>
-                <a:latin typeface="Arial"/>
-                <a:cs typeface="Arial"/>
-              </a:rPr>
-              <a:t>Titolo presentazione </a:t>
-            </a:r>
-          </a:p>
-          <a:p>
-            <a:pPr algn="r"/>
-            <a:r>
-              <a:rPr lang="it-IT" sz="800" b="1" dirty="0" err="1">
-                <a:solidFill>
-                  <a:schemeClr val="bg1"/>
-                </a:solidFill>
-                <a:latin typeface="Arial"/>
-                <a:cs typeface="Arial"/>
-              </a:rPr>
-              <a:t>arial</a:t>
-            </a:r>
-            <a:r>
-              <a:rPr lang="it-IT" sz="800" b="1" dirty="0">
-                <a:solidFill>
-                  <a:schemeClr val="bg1"/>
-                </a:solidFill>
-                <a:latin typeface="Arial"/>
-                <a:cs typeface="Arial"/>
-              </a:rPr>
-              <a:t> </a:t>
-            </a:r>
-            <a:r>
-              <a:rPr lang="it-IT" sz="800" b="1" dirty="0" err="1">
-                <a:solidFill>
-                  <a:schemeClr val="bg1"/>
-                </a:solidFill>
-                <a:latin typeface="Arial"/>
-                <a:cs typeface="Arial"/>
-              </a:rPr>
-              <a:t>bold</a:t>
-            </a:r>
-            <a:r>
-              <a:rPr lang="it-IT" sz="800" b="1" dirty="0">
-                <a:solidFill>
-                  <a:schemeClr val="bg1"/>
-                </a:solidFill>
-                <a:latin typeface="Arial"/>
-                <a:cs typeface="Arial"/>
-              </a:rPr>
-              <a:t> 8 </a:t>
-            </a:r>
-            <a:r>
-              <a:rPr lang="it-IT" sz="800" b="1" dirty="0" err="1">
-                <a:solidFill>
-                  <a:schemeClr val="bg1"/>
-                </a:solidFill>
-                <a:latin typeface="Arial"/>
-                <a:cs typeface="Arial"/>
-              </a:rPr>
-              <a:t>pt</a:t>
-            </a:r>
-            <a:endParaRPr lang="it-IT" sz="800" b="1" dirty="0">
-              <a:solidFill>
-                <a:schemeClr val="bg1"/>
-              </a:solidFill>
-              <a:latin typeface="Arial"/>
-              <a:cs typeface="Arial"/>
-            </a:endParaRPr>
-          </a:p>
-        </p:txBody>
-      </p:sp>
-      <p:sp>
-        <p:nvSpPr>
-          <p:cNvPr id="14" name="CasellaDiTesto 13"/>
-          <p:cNvSpPr txBox="1"/>
-          <p:nvPr/>
-        </p:nvSpPr>
-        <p:spPr>
-          <a:xfrm>
-            <a:off x="7082015" y="403482"/>
-            <a:ext cx="1621846" cy="492443"/>
-          </a:xfrm>
-          <a:prstGeom prst="rect">
-            <a:avLst/>
-          </a:prstGeom>
-          <a:noFill/>
-        </p:spPr>
-        <p:txBody>
-          <a:bodyPr wrap="none" rtlCol="0">
-            <a:spAutoFit/>
-          </a:bodyPr>
-          <a:lstStyle/>
-          <a:p>
-            <a:pPr algn="r"/>
-            <a:r>
-              <a:rPr lang="it-IT" sz="800" dirty="0">
-                <a:solidFill>
-                  <a:schemeClr val="bg1"/>
-                </a:solidFill>
-                <a:latin typeface="Arial"/>
-                <a:cs typeface="Arial"/>
-              </a:rPr>
-              <a:t>Luogo e data </a:t>
-            </a:r>
-            <a:r>
-              <a:rPr lang="it-IT" sz="800" dirty="0" err="1">
-                <a:solidFill>
-                  <a:schemeClr val="bg1"/>
-                </a:solidFill>
-                <a:latin typeface="Arial"/>
-                <a:cs typeface="Arial"/>
-              </a:rPr>
-              <a:t>arial</a:t>
-            </a:r>
-            <a:r>
-              <a:rPr lang="it-IT" sz="800" dirty="0">
-                <a:solidFill>
-                  <a:schemeClr val="bg1"/>
-                </a:solidFill>
-                <a:latin typeface="Arial"/>
-                <a:cs typeface="Arial"/>
-              </a:rPr>
-              <a:t> regular 8 </a:t>
-            </a:r>
-            <a:r>
-              <a:rPr lang="it-IT" sz="800" dirty="0" err="1">
-                <a:solidFill>
-                  <a:schemeClr val="bg1"/>
-                </a:solidFill>
-                <a:latin typeface="Arial"/>
-                <a:cs typeface="Arial"/>
-              </a:rPr>
-              <a:t>pt</a:t>
-            </a:r>
-            <a:endParaRPr lang="it-IT" sz="800" dirty="0">
-              <a:solidFill>
-                <a:schemeClr val="bg1"/>
-              </a:solidFill>
-              <a:latin typeface="Arial"/>
-              <a:cs typeface="Arial"/>
-            </a:endParaRPr>
-          </a:p>
-          <a:p>
-            <a:endParaRPr lang="it-IT" dirty="0"/>
-          </a:p>
-        </p:txBody>
-      </p:sp>
-    </p:spTree>
-    <p:extLst>
-      <p:ext uri="{BB962C8B-B14F-4D97-AF65-F5344CB8AC3E}">
-        <p14:creationId xmlns:p14="http://schemas.microsoft.com/office/powerpoint/2010/main" val="1317185678"/>
-      </p:ext>
-    </p:extLst>
-  </p:cSld>
-  <p:clrMapOvr>
-    <a:masterClrMapping/>
-  </p:clrMapOvr>
-</p:sld>
-</file>
-
-<file path=ppt/slides/slide6.xml><?xml version="1.0" encoding="utf-8"?>
-<p:sld xmlns:a="http://schemas.openxmlformats.org/drawingml/2006/main" xmlns:r="http://schemas.openxmlformats.org/officeDocument/2006/relationships" xmlns:p="http://schemas.openxmlformats.org/presentationml/2006/main">
-  <p:cSld>
-    <p:spTree>
-      <p:nvGrpSpPr>
-        <p:cNvPr id="1" name=""/>
-        <p:cNvGrpSpPr/>
-        <p:nvPr/>
-      </p:nvGrpSpPr>
-      <p:grpSpPr>
-        <a:xfrm>
-          <a:off x="0" y="0"/>
-          <a:ext cx="0" cy="0"/>
-          <a:chOff x="0" y="0"/>
-          <a:chExt cx="0" cy="0"/>
-        </a:xfrm>
-      </p:grpSpPr>
-      <p:pic>
-        <p:nvPicPr>
-          <p:cNvPr id="13" name="Immagine 12"/>
-          <p:cNvPicPr>
-            <a:picLocks noChangeAspect="1"/>
-          </p:cNvPicPr>
-          <p:nvPr/>
-        </p:nvPicPr>
-        <p:blipFill>
-          <a:blip r:embed="rId3"/>
-          <a:stretch>
-            <a:fillRect/>
-          </a:stretch>
-        </p:blipFill>
-        <p:spPr>
-          <a:xfrm>
-            <a:off x="0" y="-21160"/>
-            <a:ext cx="9180512" cy="6872633"/>
-          </a:xfrm>
-          <a:prstGeom prst="rect">
-            <a:avLst/>
-          </a:prstGeom>
-        </p:spPr>
-      </p:pic>
-      <p:pic>
-        <p:nvPicPr>
-          <p:cNvPr id="2" name="Immagine 1" descr="Rettorato_firenze,_scale_02.JPG"/>
-          <p:cNvPicPr>
-            <a:picLocks noChangeAspect="1"/>
-          </p:cNvPicPr>
-          <p:nvPr/>
-        </p:nvPicPr>
-        <p:blipFill>
-          <a:blip r:embed="rId4">
-            <a:extLst>
-              <a:ext uri="{28A0092B-C50C-407E-A947-70E740481C1C}">
-                <a14:useLocalDpi xmlns:a14="http://schemas.microsoft.com/office/drawing/2010/main" val="0"/>
-              </a:ext>
-            </a:extLst>
-          </a:blip>
-          <a:stretch>
-            <a:fillRect/>
-          </a:stretch>
-        </p:blipFill>
-        <p:spPr>
-          <a:xfrm>
-            <a:off x="723901" y="1475408"/>
-            <a:ext cx="7892796" cy="3358614"/>
-          </a:xfrm>
-          <a:prstGeom prst="rect">
-            <a:avLst/>
-          </a:prstGeom>
-        </p:spPr>
-      </p:pic>
-      <p:sp>
-        <p:nvSpPr>
-          <p:cNvPr id="9" name="CasellaDiTesto 8"/>
-          <p:cNvSpPr txBox="1"/>
-          <p:nvPr/>
-        </p:nvSpPr>
-        <p:spPr>
-          <a:xfrm>
-            <a:off x="670207" y="4834022"/>
-            <a:ext cx="7983516" cy="899234"/>
-          </a:xfrm>
-          <a:prstGeom prst="rect">
-            <a:avLst/>
-          </a:prstGeom>
-          <a:noFill/>
-        </p:spPr>
-        <p:txBody>
-          <a:bodyPr wrap="square" rtlCol="0">
-            <a:spAutoFit/>
-          </a:bodyPr>
-          <a:lstStyle/>
-          <a:p>
-            <a:pPr algn="just"/>
-            <a:r>
-              <a:rPr lang="it-IT" sz="1200" dirty="0">
-                <a:latin typeface="Arial"/>
-                <a:cs typeface="Arial"/>
-              </a:rPr>
-              <a:t>didascalia </a:t>
-            </a:r>
-            <a:r>
-              <a:rPr lang="it-IT" sz="1200" dirty="0" err="1">
-                <a:latin typeface="Arial"/>
-                <a:cs typeface="Arial"/>
-              </a:rPr>
-              <a:t>arial</a:t>
-            </a:r>
-            <a:r>
-              <a:rPr lang="it-IT" sz="1200" dirty="0">
-                <a:latin typeface="Arial"/>
-                <a:cs typeface="Arial"/>
-              </a:rPr>
-              <a:t> regular 12 </a:t>
-            </a:r>
-            <a:r>
-              <a:rPr lang="it-IT" sz="1200" dirty="0" err="1">
-                <a:latin typeface="Arial"/>
-                <a:cs typeface="Arial"/>
-              </a:rPr>
-              <a:t>pt</a:t>
-            </a:r>
-            <a:r>
-              <a:rPr lang="it-IT" sz="1200" dirty="0">
-                <a:latin typeface="Arial"/>
-                <a:cs typeface="Arial"/>
-              </a:rPr>
-              <a:t> allineamento a sinistra o giustificato didascalia </a:t>
-            </a:r>
-            <a:r>
-              <a:rPr lang="it-IT" sz="1200" dirty="0" err="1">
-                <a:latin typeface="Arial"/>
-                <a:cs typeface="Arial"/>
-              </a:rPr>
-              <a:t>arial</a:t>
-            </a:r>
-            <a:r>
-              <a:rPr lang="it-IT" sz="1200" dirty="0">
-                <a:latin typeface="Arial"/>
-                <a:cs typeface="Arial"/>
-              </a:rPr>
-              <a:t> regular 12 </a:t>
-            </a:r>
-            <a:r>
-              <a:rPr lang="it-IT" sz="1200" dirty="0" err="1">
-                <a:latin typeface="Arial"/>
-                <a:cs typeface="Arial"/>
-              </a:rPr>
-              <a:t>pt</a:t>
-            </a:r>
-            <a:r>
-              <a:rPr lang="it-IT" sz="1200" dirty="0">
-                <a:latin typeface="Arial"/>
-                <a:cs typeface="Arial"/>
-              </a:rPr>
-              <a:t> allineamento a sinistra o giustificato didascalia </a:t>
-            </a:r>
-            <a:r>
-              <a:rPr lang="it-IT" sz="1200" dirty="0" err="1">
-                <a:latin typeface="Arial"/>
-                <a:cs typeface="Arial"/>
-              </a:rPr>
-              <a:t>arial</a:t>
-            </a:r>
-            <a:r>
-              <a:rPr lang="it-IT" sz="1200" dirty="0">
-                <a:latin typeface="Arial"/>
-                <a:cs typeface="Arial"/>
-              </a:rPr>
-              <a:t> regular 12 </a:t>
-            </a:r>
-            <a:r>
-              <a:rPr lang="it-IT" sz="1200" dirty="0" err="1">
-                <a:latin typeface="Arial"/>
-                <a:cs typeface="Arial"/>
-              </a:rPr>
-              <a:t>pt</a:t>
-            </a:r>
-            <a:r>
-              <a:rPr lang="it-IT" sz="1200" dirty="0">
-                <a:latin typeface="Arial"/>
-                <a:cs typeface="Arial"/>
-              </a:rPr>
-              <a:t> allineamento a sinistra o giustificato</a:t>
-            </a:r>
-          </a:p>
-          <a:p>
-            <a:pPr algn="just"/>
-            <a:r>
-              <a:rPr lang="it-IT" sz="1400" dirty="0"/>
-              <a:t>           </a:t>
-            </a:r>
-          </a:p>
-          <a:p>
-            <a:pPr algn="just"/>
-            <a:r>
-              <a:rPr lang="it-IT" sz="1400" dirty="0"/>
-              <a:t>           </a:t>
-            </a:r>
-          </a:p>
-        </p:txBody>
-      </p:sp>
-      <p:sp>
-        <p:nvSpPr>
-          <p:cNvPr id="12" name="Rettangolo 11"/>
-          <p:cNvSpPr/>
-          <p:nvPr/>
-        </p:nvSpPr>
-        <p:spPr>
-          <a:xfrm>
-            <a:off x="8255000" y="6366466"/>
-            <a:ext cx="280763" cy="501650"/>
-          </a:xfrm>
-          <a:prstGeom prst="rect">
-            <a:avLst/>
-          </a:prstGeom>
-          <a:solidFill>
-            <a:srgbClr val="003053"/>
-          </a:solidFill>
-        </p:spPr>
-        <p:style>
-          <a:lnRef idx="1">
-            <a:schemeClr val="accent1"/>
-          </a:lnRef>
-          <a:fillRef idx="3">
-            <a:schemeClr val="accent1"/>
-          </a:fillRef>
-          <a:effectRef idx="2">
-            <a:schemeClr val="accent1"/>
-          </a:effectRef>
-          <a:fontRef idx="minor">
-            <a:schemeClr val="lt1"/>
-          </a:fontRef>
-        </p:style>
-        <p:txBody>
-          <a:bodyPr rtlCol="0" anchor="ctr"/>
-          <a:lstStyle/>
-          <a:p>
-            <a:pPr algn="ctr"/>
-            <a:endParaRPr lang="it-IT">
-              <a:solidFill>
-                <a:srgbClr val="003257"/>
-              </a:solidFill>
-            </a:endParaRPr>
-          </a:p>
-        </p:txBody>
-      </p:sp>
-      <p:sp>
-        <p:nvSpPr>
-          <p:cNvPr id="11" name="Segnaposto numero diapositiva 10"/>
-          <p:cNvSpPr>
-            <a:spLocks noGrp="1"/>
-          </p:cNvSpPr>
-          <p:nvPr>
-            <p:ph type="sldNum" sz="quarter" idx="12"/>
-          </p:nvPr>
-        </p:nvSpPr>
-        <p:spPr>
-          <a:xfrm>
-            <a:off x="6402163" y="6356350"/>
-            <a:ext cx="2133600" cy="365125"/>
-          </a:xfrm>
-        </p:spPr>
-        <p:txBody>
-          <a:bodyPr/>
-          <a:lstStyle/>
-          <a:p>
-            <a:fld id="{8EB8520A-26EA-DE4B-B141-4532FC98FF0E}" type="slidenum">
-              <a:rPr lang="it-IT" b="1" smtClean="0">
-                <a:solidFill>
-                  <a:schemeClr val="bg1"/>
-                </a:solidFill>
-                <a:latin typeface="Arial"/>
-                <a:cs typeface="Arial"/>
-              </a:rPr>
-              <a:pPr/>
-              <a:t>6</a:t>
+              <a:t>7</a:t>
             </a:fld>
             <a:endParaRPr lang="it-IT" b="1" dirty="0">
               <a:solidFill>
